--- a/H2020.pptx
+++ b/H2020.pptx
@@ -4,6 +4,9 @@
   <p:sldMasterIdLst>
     <p:sldMasterId id="2147483660" r:id="rId1"/>
   </p:sldMasterIdLst>
+  <p:notesMasterIdLst>
+    <p:notesMasterId r:id="rId10"/>
+  </p:notesMasterIdLst>
   <p:sldIdLst>
     <p:sldId id="256" r:id="rId2"/>
     <p:sldId id="257" r:id="rId3"/>
@@ -111,7 +114,373 @@
       </a:defRPr>
     </a:lvl9pPr>
   </p:defaultTextStyle>
+  <p:extLst>
+    <p:ext uri="{EFAFB233-063F-42B5-8137-9DF3F51BA10A}">
+      <p15:sldGuideLst xmlns:p15="http://schemas.microsoft.com/office/powerpoint/2012/main">
+        <p15:guide id="1" orient="horz" pos="2160">
+          <p15:clr>
+            <a:srgbClr val="A4A3A4"/>
+          </p15:clr>
+        </p15:guide>
+        <p15:guide id="2" pos="2880">
+          <p15:clr>
+            <a:srgbClr val="A4A3A4"/>
+          </p15:clr>
+        </p15:guide>
+      </p15:sldGuideLst>
+    </p:ext>
+  </p:extLst>
 </p:presentation>
+</file>
+
+<file path=ppt/notesMasters/notesMaster1.xml><?xml version="1.0" encoding="utf-8"?>
+<p:notesMaster xmlns:a="http://schemas.openxmlformats.org/drawingml/2006/main" xmlns:r="http://schemas.openxmlformats.org/officeDocument/2006/relationships" xmlns:p="http://schemas.openxmlformats.org/presentationml/2006/main">
+  <p:cSld>
+    <p:bg>
+      <p:bgRef idx="1001">
+        <a:schemeClr val="bg1"/>
+      </p:bgRef>
+    </p:bg>
+    <p:spTree>
+      <p:nvGrpSpPr>
+        <p:cNvPr id="1" name=""/>
+        <p:cNvGrpSpPr/>
+        <p:nvPr/>
+      </p:nvGrpSpPr>
+      <p:grpSpPr>
+        <a:xfrm>
+          <a:off x="0" y="0"/>
+          <a:ext cx="0" cy="0"/>
+          <a:chOff x="0" y="0"/>
+          <a:chExt cx="0" cy="0"/>
+        </a:xfrm>
+      </p:grpSpPr>
+      <p:sp>
+        <p:nvSpPr>
+          <p:cNvPr id="2" name="Header Placeholder 1"/>
+          <p:cNvSpPr>
+            <a:spLocks noGrp="1"/>
+          </p:cNvSpPr>
+          <p:nvPr>
+            <p:ph type="hdr" sz="quarter"/>
+          </p:nvPr>
+        </p:nvSpPr>
+        <p:spPr>
+          <a:xfrm>
+            <a:off x="0" y="0"/>
+            <a:ext cx="2971800" cy="458788"/>
+          </a:xfrm>
+          <a:prstGeom prst="rect">
+            <a:avLst/>
+          </a:prstGeom>
+        </p:spPr>
+        <p:txBody>
+          <a:bodyPr vert="horz" lIns="91440" tIns="45720" rIns="91440" bIns="45720" rtlCol="0"/>
+          <a:lstStyle>
+            <a:lvl1pPr algn="l">
+              <a:defRPr sz="1200"/>
+            </a:lvl1pPr>
+          </a:lstStyle>
+          <a:p>
+            <a:endParaRPr lang="en-US"/>
+          </a:p>
+        </p:txBody>
+      </p:sp>
+      <p:sp>
+        <p:nvSpPr>
+          <p:cNvPr id="3" name="Date Placeholder 2"/>
+          <p:cNvSpPr>
+            <a:spLocks noGrp="1"/>
+          </p:cNvSpPr>
+          <p:nvPr>
+            <p:ph type="dt" idx="1"/>
+          </p:nvPr>
+        </p:nvSpPr>
+        <p:spPr>
+          <a:xfrm>
+            <a:off x="3884613" y="0"/>
+            <a:ext cx="2971800" cy="458788"/>
+          </a:xfrm>
+          <a:prstGeom prst="rect">
+            <a:avLst/>
+          </a:prstGeom>
+        </p:spPr>
+        <p:txBody>
+          <a:bodyPr vert="horz" lIns="91440" tIns="45720" rIns="91440" bIns="45720" rtlCol="0"/>
+          <a:lstStyle>
+            <a:lvl1pPr algn="r">
+              <a:defRPr sz="1200"/>
+            </a:lvl1pPr>
+          </a:lstStyle>
+          <a:p>
+            <a:fld id="{EA2D253C-00DA-416C-9254-443DAD742412}" type="datetimeFigureOut">
+              <a:rPr lang="en-US" smtClean="0"/>
+              <a:t>12/7/2017</a:t>
+            </a:fld>
+            <a:endParaRPr lang="en-US"/>
+          </a:p>
+        </p:txBody>
+      </p:sp>
+      <p:sp>
+        <p:nvSpPr>
+          <p:cNvPr id="4" name="Slide Image Placeholder 3"/>
+          <p:cNvSpPr>
+            <a:spLocks noGrp="1" noRot="1" noChangeAspect="1"/>
+          </p:cNvSpPr>
+          <p:nvPr>
+            <p:ph type="sldImg" idx="2"/>
+          </p:nvPr>
+        </p:nvSpPr>
+        <p:spPr>
+          <a:xfrm>
+            <a:off x="1371600" y="1143000"/>
+            <a:ext cx="4114800" cy="3086100"/>
+          </a:xfrm>
+          <a:prstGeom prst="rect">
+            <a:avLst/>
+          </a:prstGeom>
+          <a:noFill/>
+          <a:ln w="12700">
+            <a:solidFill>
+              <a:prstClr val="black"/>
+            </a:solidFill>
+          </a:ln>
+        </p:spPr>
+        <p:txBody>
+          <a:bodyPr vert="horz" lIns="91440" tIns="45720" rIns="91440" bIns="45720" rtlCol="0" anchor="ctr"/>
+          <a:lstStyle/>
+          <a:p>
+            <a:endParaRPr lang="en-US"/>
+          </a:p>
+        </p:txBody>
+      </p:sp>
+      <p:sp>
+        <p:nvSpPr>
+          <p:cNvPr id="5" name="Notes Placeholder 4"/>
+          <p:cNvSpPr>
+            <a:spLocks noGrp="1"/>
+          </p:cNvSpPr>
+          <p:nvPr>
+            <p:ph type="body" sz="quarter" idx="3"/>
+          </p:nvPr>
+        </p:nvSpPr>
+        <p:spPr>
+          <a:xfrm>
+            <a:off x="685800" y="4400550"/>
+            <a:ext cx="5486400" cy="3600450"/>
+          </a:xfrm>
+          <a:prstGeom prst="rect">
+            <a:avLst/>
+          </a:prstGeom>
+        </p:spPr>
+        <p:txBody>
+          <a:bodyPr vert="horz" lIns="91440" tIns="45720" rIns="91440" bIns="45720" rtlCol="0"/>
+          <a:lstStyle/>
+          <a:p>
+            <a:pPr lvl="0"/>
+            <a:r>
+              <a:rPr lang="en-US" smtClean="0"/>
+              <a:t>Edit Master text styles</a:t>
+            </a:r>
+          </a:p>
+          <a:p>
+            <a:pPr lvl="1"/>
+            <a:r>
+              <a:rPr lang="en-US" smtClean="0"/>
+              <a:t>Second level</a:t>
+            </a:r>
+          </a:p>
+          <a:p>
+            <a:pPr lvl="2"/>
+            <a:r>
+              <a:rPr lang="en-US" smtClean="0"/>
+              <a:t>Third level</a:t>
+            </a:r>
+          </a:p>
+          <a:p>
+            <a:pPr lvl="3"/>
+            <a:r>
+              <a:rPr lang="en-US" smtClean="0"/>
+              <a:t>Fourth level</a:t>
+            </a:r>
+          </a:p>
+          <a:p>
+            <a:pPr lvl="4"/>
+            <a:r>
+              <a:rPr lang="en-US" smtClean="0"/>
+              <a:t>Fifth level</a:t>
+            </a:r>
+            <a:endParaRPr lang="en-US"/>
+          </a:p>
+        </p:txBody>
+      </p:sp>
+      <p:sp>
+        <p:nvSpPr>
+          <p:cNvPr id="6" name="Footer Placeholder 5"/>
+          <p:cNvSpPr>
+            <a:spLocks noGrp="1"/>
+          </p:cNvSpPr>
+          <p:nvPr>
+            <p:ph type="ftr" sz="quarter" idx="4"/>
+          </p:nvPr>
+        </p:nvSpPr>
+        <p:spPr>
+          <a:xfrm>
+            <a:off x="0" y="8685213"/>
+            <a:ext cx="2971800" cy="458787"/>
+          </a:xfrm>
+          <a:prstGeom prst="rect">
+            <a:avLst/>
+          </a:prstGeom>
+        </p:spPr>
+        <p:txBody>
+          <a:bodyPr vert="horz" lIns="91440" tIns="45720" rIns="91440" bIns="45720" rtlCol="0" anchor="b"/>
+          <a:lstStyle>
+            <a:lvl1pPr algn="l">
+              <a:defRPr sz="1200"/>
+            </a:lvl1pPr>
+          </a:lstStyle>
+          <a:p>
+            <a:endParaRPr lang="en-US"/>
+          </a:p>
+        </p:txBody>
+      </p:sp>
+      <p:sp>
+        <p:nvSpPr>
+          <p:cNvPr id="7" name="Slide Number Placeholder 6"/>
+          <p:cNvSpPr>
+            <a:spLocks noGrp="1"/>
+          </p:cNvSpPr>
+          <p:nvPr>
+            <p:ph type="sldNum" sz="quarter" idx="5"/>
+          </p:nvPr>
+        </p:nvSpPr>
+        <p:spPr>
+          <a:xfrm>
+            <a:off x="3884613" y="8685213"/>
+            <a:ext cx="2971800" cy="458787"/>
+          </a:xfrm>
+          <a:prstGeom prst="rect">
+            <a:avLst/>
+          </a:prstGeom>
+        </p:spPr>
+        <p:txBody>
+          <a:bodyPr vert="horz" lIns="91440" tIns="45720" rIns="91440" bIns="45720" rtlCol="0" anchor="b"/>
+          <a:lstStyle>
+            <a:lvl1pPr algn="r">
+              <a:defRPr sz="1200"/>
+            </a:lvl1pPr>
+          </a:lstStyle>
+          <a:p>
+            <a:fld id="{85C7A9CD-1C74-4031-A816-3C59A1FAD1CB}" type="slidenum">
+              <a:rPr lang="en-US" smtClean="0"/>
+              <a:t>‹#›</a:t>
+            </a:fld>
+            <a:endParaRPr lang="en-US"/>
+          </a:p>
+        </p:txBody>
+      </p:sp>
+    </p:spTree>
+    <p:extLst>
+      <p:ext uri="{BB962C8B-B14F-4D97-AF65-F5344CB8AC3E}">
+        <p14:creationId xmlns:p14="http://schemas.microsoft.com/office/powerpoint/2010/main" val="430664061"/>
+      </p:ext>
+    </p:extLst>
+  </p:cSld>
+  <p:clrMap bg1="lt1" tx1="dk1" bg2="lt2" tx2="dk2" accent1="accent1" accent2="accent2" accent3="accent3" accent4="accent4" accent5="accent5" accent6="accent6" hlink="hlink" folHlink="folHlink"/>
+  <p:notesStyle>
+    <a:lvl1pPr marL="0" algn="l" defTabSz="914400" rtl="0" eaLnBrk="1" latinLnBrk="0" hangingPunct="1">
+      <a:defRPr sz="1200" kern="1200">
+        <a:solidFill>
+          <a:schemeClr val="tx1"/>
+        </a:solidFill>
+        <a:latin typeface="+mn-lt"/>
+        <a:ea typeface="+mn-ea"/>
+        <a:cs typeface="+mn-cs"/>
+      </a:defRPr>
+    </a:lvl1pPr>
+    <a:lvl2pPr marL="457200" algn="l" defTabSz="914400" rtl="0" eaLnBrk="1" latinLnBrk="0" hangingPunct="1">
+      <a:defRPr sz="1200" kern="1200">
+        <a:solidFill>
+          <a:schemeClr val="tx1"/>
+        </a:solidFill>
+        <a:latin typeface="+mn-lt"/>
+        <a:ea typeface="+mn-ea"/>
+        <a:cs typeface="+mn-cs"/>
+      </a:defRPr>
+    </a:lvl2pPr>
+    <a:lvl3pPr marL="914400" algn="l" defTabSz="914400" rtl="0" eaLnBrk="1" latinLnBrk="0" hangingPunct="1">
+      <a:defRPr sz="1200" kern="1200">
+        <a:solidFill>
+          <a:schemeClr val="tx1"/>
+        </a:solidFill>
+        <a:latin typeface="+mn-lt"/>
+        <a:ea typeface="+mn-ea"/>
+        <a:cs typeface="+mn-cs"/>
+      </a:defRPr>
+    </a:lvl3pPr>
+    <a:lvl4pPr marL="1371600" algn="l" defTabSz="914400" rtl="0" eaLnBrk="1" latinLnBrk="0" hangingPunct="1">
+      <a:defRPr sz="1200" kern="1200">
+        <a:solidFill>
+          <a:schemeClr val="tx1"/>
+        </a:solidFill>
+        <a:latin typeface="+mn-lt"/>
+        <a:ea typeface="+mn-ea"/>
+        <a:cs typeface="+mn-cs"/>
+      </a:defRPr>
+    </a:lvl4pPr>
+    <a:lvl5pPr marL="1828800" algn="l" defTabSz="914400" rtl="0" eaLnBrk="1" latinLnBrk="0" hangingPunct="1">
+      <a:defRPr sz="1200" kern="1200">
+        <a:solidFill>
+          <a:schemeClr val="tx1"/>
+        </a:solidFill>
+        <a:latin typeface="+mn-lt"/>
+        <a:ea typeface="+mn-ea"/>
+        <a:cs typeface="+mn-cs"/>
+      </a:defRPr>
+    </a:lvl5pPr>
+    <a:lvl6pPr marL="2286000" algn="l" defTabSz="914400" rtl="0" eaLnBrk="1" latinLnBrk="0" hangingPunct="1">
+      <a:defRPr sz="1200" kern="1200">
+        <a:solidFill>
+          <a:schemeClr val="tx1"/>
+        </a:solidFill>
+        <a:latin typeface="+mn-lt"/>
+        <a:ea typeface="+mn-ea"/>
+        <a:cs typeface="+mn-cs"/>
+      </a:defRPr>
+    </a:lvl6pPr>
+    <a:lvl7pPr marL="2743200" algn="l" defTabSz="914400" rtl="0" eaLnBrk="1" latinLnBrk="0" hangingPunct="1">
+      <a:defRPr sz="1200" kern="1200">
+        <a:solidFill>
+          <a:schemeClr val="tx1"/>
+        </a:solidFill>
+        <a:latin typeface="+mn-lt"/>
+        <a:ea typeface="+mn-ea"/>
+        <a:cs typeface="+mn-cs"/>
+      </a:defRPr>
+    </a:lvl7pPr>
+    <a:lvl8pPr marL="3200400" algn="l" defTabSz="914400" rtl="0" eaLnBrk="1" latinLnBrk="0" hangingPunct="1">
+      <a:defRPr sz="1200" kern="1200">
+        <a:solidFill>
+          <a:schemeClr val="tx1"/>
+        </a:solidFill>
+        <a:latin typeface="+mn-lt"/>
+        <a:ea typeface="+mn-ea"/>
+        <a:cs typeface="+mn-cs"/>
+      </a:defRPr>
+    </a:lvl8pPr>
+    <a:lvl9pPr marL="3657600" algn="l" defTabSz="914400" rtl="0" eaLnBrk="1" latinLnBrk="0" hangingPunct="1">
+      <a:defRPr sz="1200" kern="1200">
+        <a:solidFill>
+          <a:schemeClr val="tx1"/>
+        </a:solidFill>
+        <a:latin typeface="+mn-lt"/>
+        <a:ea typeface="+mn-ea"/>
+        <a:cs typeface="+mn-cs"/>
+      </a:defRPr>
+    </a:lvl9pPr>
+  </p:notesStyle>
+</p:notesMaster>
 </file>
 
 <file path=ppt/slideLayouts/slideLayout1.xml><?xml version="1.0" encoding="utf-8"?>
@@ -206,9 +575,7 @@
         </p:style>
         <p:txBody>
           <a:bodyPr anchor="ctr"/>
-          <a:lstStyle>
-            <a:extLst/>
-          </a:lstStyle>
+          <a:lstStyle/>
           <a:p>
             <a:pPr algn="ctr" eaLnBrk="1" latinLnBrk="0" hangingPunct="1"/>
             <a:endParaRPr kumimoji="0" lang="en-US"/>
@@ -247,9 +614,7 @@
         </p:spPr>
         <p:txBody>
           <a:bodyPr vert="horz" wrap="square" lIns="91440" tIns="45720" rIns="91440" bIns="45720" anchor="t" compatLnSpc="1"/>
-          <a:lstStyle>
-            <a:extLst/>
-          </a:lstStyle>
+          <a:lstStyle/>
           <a:p>
             <a:endParaRPr kumimoji="0" lang="en-US"/>
           </a:p>
@@ -382,7 +747,7 @@
             <a:extLst/>
           </a:lstStyle>
           <a:p>
-            <a:fld id="{58747887-F468-4A2C-BD2F-04F3097F6347}" type="datetimeFigureOut">
+            <a:fld id="{B5DF7F54-63DD-4161-A23C-E08EF82ACCE1}" type="datetime1">
               <a:rPr lang="en-US" smtClean="0"/>
               <a:t>12/7/2017</a:t>
             </a:fld>
@@ -498,9 +863,7 @@
         <p:spPr/>
         <p:txBody>
           <a:bodyPr/>
-          <a:lstStyle>
-            <a:extLst/>
-          </a:lstStyle>
+          <a:lstStyle/>
           <a:p>
             <a:r>
               <a:rPr kumimoji="0" lang="en-US" smtClean="0"/>
@@ -523,9 +886,7 @@
         <p:spPr/>
         <p:txBody>
           <a:bodyPr vert="eaVert"/>
-          <a:lstStyle>
-            <a:extLst/>
-          </a:lstStyle>
+          <a:lstStyle/>
           <a:p>
             <a:pPr lvl="0" eaLnBrk="1" latinLnBrk="0" hangingPunct="1"/>
             <a:r>
@@ -577,11 +938,9 @@
         <p:spPr/>
         <p:txBody>
           <a:bodyPr/>
-          <a:lstStyle>
-            <a:extLst/>
-          </a:lstStyle>
-          <a:p>
-            <a:fld id="{58747887-F468-4A2C-BD2F-04F3097F6347}" type="datetimeFigureOut">
+          <a:lstStyle/>
+          <a:p>
+            <a:fld id="{5606BB6E-60BB-457E-B454-7758445C6B38}" type="datetime1">
               <a:rPr lang="en-US" smtClean="0"/>
               <a:t>12/7/2017</a:t>
             </a:fld>
@@ -602,9 +961,7 @@
         <p:spPr/>
         <p:txBody>
           <a:bodyPr/>
-          <a:lstStyle>
-            <a:extLst/>
-          </a:lstStyle>
+          <a:lstStyle/>
           <a:p>
             <a:endParaRPr lang="en-US"/>
           </a:p>
@@ -623,9 +980,7 @@
         <p:spPr/>
         <p:txBody>
           <a:bodyPr/>
-          <a:lstStyle>
-            <a:extLst/>
-          </a:lstStyle>
+          <a:lstStyle/>
           <a:p>
             <a:fld id="{A255F231-0A6F-49D2-951F-550B2B95B5B4}" type="slidenum">
               <a:rPr lang="en-US" smtClean="0"/>
@@ -678,9 +1033,7 @@
         </p:spPr>
         <p:txBody>
           <a:bodyPr vert="eaVert" anchor="t"/>
-          <a:lstStyle>
-            <a:extLst/>
-          </a:lstStyle>
+          <a:lstStyle/>
           <a:p>
             <a:r>
               <a:rPr kumimoji="0" lang="en-US" smtClean="0"/>
@@ -708,9 +1061,7 @@
         </p:spPr>
         <p:txBody>
           <a:bodyPr vert="eaVert"/>
-          <a:lstStyle>
-            <a:extLst/>
-          </a:lstStyle>
+          <a:lstStyle/>
           <a:p>
             <a:pPr lvl="0" eaLnBrk="1" latinLnBrk="0" hangingPunct="1"/>
             <a:r>
@@ -767,11 +1118,9 @@
         </p:spPr>
         <p:txBody>
           <a:bodyPr/>
-          <a:lstStyle>
-            <a:extLst/>
-          </a:lstStyle>
-          <a:p>
-            <a:fld id="{58747887-F468-4A2C-BD2F-04F3097F6347}" type="datetimeFigureOut">
+          <a:lstStyle/>
+          <a:p>
+            <a:fld id="{364700DE-98D6-4575-B5DF-BBDD8DC0E3BD}" type="datetime1">
               <a:rPr lang="en-US" smtClean="0"/>
               <a:t>12/7/2017</a:t>
             </a:fld>
@@ -797,9 +1146,7 @@
         </p:spPr>
         <p:txBody>
           <a:bodyPr/>
-          <a:lstStyle>
-            <a:extLst/>
-          </a:lstStyle>
+          <a:lstStyle/>
           <a:p>
             <a:endParaRPr lang="en-US"/>
           </a:p>
@@ -880,9 +1227,7 @@
         <p:spPr/>
         <p:txBody>
           <a:bodyPr/>
-          <a:lstStyle>
-            <a:extLst/>
-          </a:lstStyle>
+          <a:lstStyle/>
           <a:p>
             <a:r>
               <a:rPr kumimoji="0" lang="en-US" smtClean="0"/>
@@ -905,9 +1250,7 @@
         <p:spPr/>
         <p:txBody>
           <a:bodyPr/>
-          <a:lstStyle>
-            <a:extLst/>
-          </a:lstStyle>
+          <a:lstStyle/>
           <a:p>
             <a:pPr lvl="0" eaLnBrk="1" latinLnBrk="0" hangingPunct="1"/>
             <a:r>
@@ -959,11 +1302,9 @@
         <p:spPr/>
         <p:txBody>
           <a:bodyPr/>
-          <a:lstStyle>
-            <a:extLst/>
-          </a:lstStyle>
-          <a:p>
-            <a:fld id="{58747887-F468-4A2C-BD2F-04F3097F6347}" type="datetimeFigureOut">
+          <a:lstStyle/>
+          <a:p>
+            <a:fld id="{76C7F37F-C83D-4503-A83D-0F57245AE27A}" type="datetime1">
               <a:rPr lang="en-US" smtClean="0"/>
               <a:t>12/7/2017</a:t>
             </a:fld>
@@ -984,9 +1325,7 @@
         <p:spPr/>
         <p:txBody>
           <a:bodyPr/>
-          <a:lstStyle>
-            <a:extLst/>
-          </a:lstStyle>
+          <a:lstStyle/>
           <a:p>
             <a:endParaRPr lang="en-US"/>
           </a:p>
@@ -1005,9 +1344,7 @@
         <p:spPr/>
         <p:txBody>
           <a:bodyPr/>
-          <a:lstStyle>
-            <a:extLst/>
-          </a:lstStyle>
+          <a:lstStyle/>
           <a:p>
             <a:fld id="{A255F231-0A6F-49D2-951F-550B2B95B5B4}" type="slidenum">
               <a:rPr lang="en-US" smtClean="0"/>
@@ -1189,7 +1526,7 @@
             <a:extLst/>
           </a:lstStyle>
           <a:p>
-            <a:fld id="{58747887-F468-4A2C-BD2F-04F3097F6347}" type="datetimeFigureOut">
+            <a:fld id="{78011396-87BA-4CB6-8E92-A5C90D75545F}" type="datetime1">
               <a:rPr lang="en-US" smtClean="0"/>
               <a:t>12/7/2017</a:t>
             </a:fld>
@@ -1248,9 +1585,7 @@
         </p:spPr>
         <p:txBody>
           <a:bodyPr/>
-          <a:lstStyle>
-            <a:extLst/>
-          </a:lstStyle>
+          <a:lstStyle/>
           <a:p>
             <a:fld id="{A255F231-0A6F-49D2-951F-550B2B95B5B4}" type="slidenum">
               <a:rPr lang="en-US" smtClean="0"/>
@@ -1303,9 +1638,7 @@
         </p:spPr>
         <p:txBody>
           <a:bodyPr/>
-          <a:lstStyle>
-            <a:extLst/>
-          </a:lstStyle>
+          <a:lstStyle/>
           <a:p>
             <a:r>
               <a:rPr kumimoji="0" lang="en-US" smtClean="0"/>
@@ -1476,11 +1809,9 @@
         <p:spPr/>
         <p:txBody>
           <a:bodyPr/>
-          <a:lstStyle>
-            <a:extLst/>
-          </a:lstStyle>
-          <a:p>
-            <a:fld id="{58747887-F468-4A2C-BD2F-04F3097F6347}" type="datetimeFigureOut">
+          <a:lstStyle/>
+          <a:p>
+            <a:fld id="{21FEA94B-5E74-4980-80E7-199272FDD998}" type="datetime1">
               <a:rPr lang="en-US" smtClean="0"/>
               <a:t>12/7/2017</a:t>
             </a:fld>
@@ -1501,9 +1832,7 @@
         <p:spPr/>
         <p:txBody>
           <a:bodyPr/>
-          <a:lstStyle>
-            <a:extLst/>
-          </a:lstStyle>
+          <a:lstStyle/>
           <a:p>
             <a:endParaRPr lang="en-US"/>
           </a:p>
@@ -1522,9 +1851,7 @@
         <p:spPr/>
         <p:txBody>
           <a:bodyPr/>
-          <a:lstStyle>
-            <a:extLst/>
-          </a:lstStyle>
+          <a:lstStyle/>
           <a:p>
             <a:fld id="{A255F231-0A6F-49D2-951F-550B2B95B5B4}" type="slidenum">
               <a:rPr lang="en-US" smtClean="0"/>
@@ -1907,11 +2234,9 @@
         <p:spPr/>
         <p:txBody>
           <a:bodyPr/>
-          <a:lstStyle>
-            <a:extLst/>
-          </a:lstStyle>
-          <a:p>
-            <a:fld id="{58747887-F468-4A2C-BD2F-04F3097F6347}" type="datetimeFigureOut">
+          <a:lstStyle/>
+          <a:p>
+            <a:fld id="{D95C63F1-D33F-4DF8-8398-60DC26BCAA06}" type="datetime1">
               <a:rPr lang="en-US" smtClean="0"/>
               <a:t>12/7/2017</a:t>
             </a:fld>
@@ -1932,9 +2257,7 @@
         <p:spPr/>
         <p:txBody>
           <a:bodyPr/>
-          <a:lstStyle>
-            <a:extLst/>
-          </a:lstStyle>
+          <a:lstStyle/>
           <a:p>
             <a:endParaRPr lang="en-US"/>
           </a:p>
@@ -1953,9 +2276,7 @@
         <p:spPr/>
         <p:txBody>
           <a:bodyPr/>
-          <a:lstStyle>
-            <a:extLst/>
-          </a:lstStyle>
+          <a:lstStyle/>
           <a:p>
             <a:fld id="{A255F231-0A6F-49D2-951F-550B2B95B5B4}" type="slidenum">
               <a:rPr lang="en-US" smtClean="0"/>
@@ -2008,9 +2329,7 @@
         </p:spPr>
         <p:txBody>
           <a:bodyPr/>
-          <a:lstStyle>
-            <a:extLst/>
-          </a:lstStyle>
+          <a:lstStyle/>
           <a:p>
             <a:r>
               <a:rPr kumimoji="0" lang="en-US" smtClean="0"/>
@@ -2033,11 +2352,9 @@
         <p:spPr/>
         <p:txBody>
           <a:bodyPr/>
-          <a:lstStyle>
-            <a:extLst/>
-          </a:lstStyle>
-          <a:p>
-            <a:fld id="{58747887-F468-4A2C-BD2F-04F3097F6347}" type="datetimeFigureOut">
+          <a:lstStyle/>
+          <a:p>
+            <a:fld id="{631FC158-5BA3-4B5D-8835-68FED338A3F0}" type="datetime1">
               <a:rPr lang="en-US" smtClean="0"/>
               <a:t>12/7/2017</a:t>
             </a:fld>
@@ -2058,9 +2375,7 @@
         <p:spPr/>
         <p:txBody>
           <a:bodyPr/>
-          <a:lstStyle>
-            <a:extLst/>
-          </a:lstStyle>
+          <a:lstStyle/>
           <a:p>
             <a:endParaRPr lang="en-US"/>
           </a:p>
@@ -2079,9 +2394,7 @@
         <p:spPr/>
         <p:txBody>
           <a:bodyPr/>
-          <a:lstStyle>
-            <a:extLst/>
-          </a:lstStyle>
+          <a:lstStyle/>
           <a:p>
             <a:fld id="{A255F231-0A6F-49D2-951F-550B2B95B5B4}" type="slidenum">
               <a:rPr lang="en-US" smtClean="0"/>
@@ -2140,7 +2453,7 @@
             <a:extLst/>
           </a:lstStyle>
           <a:p>
-            <a:fld id="{58747887-F468-4A2C-BD2F-04F3097F6347}" type="datetimeFigureOut">
+            <a:fld id="{7D5E90C3-6FF8-4AA3-AF79-CD526D361C02}" type="datetime1">
               <a:rPr lang="en-US" smtClean="0"/>
               <a:t>12/7/2017</a:t>
             </a:fld>
@@ -2189,9 +2502,7 @@
         <p:spPr/>
         <p:txBody>
           <a:bodyPr/>
-          <a:lstStyle>
-            <a:extLst/>
-          </a:lstStyle>
+          <a:lstStyle/>
           <a:p>
             <a:fld id="{A255F231-0A6F-49D2-951F-550B2B95B5B4}" type="slidenum">
               <a:rPr lang="en-US" smtClean="0"/>
@@ -2405,11 +2716,9 @@
         <p:spPr/>
         <p:txBody>
           <a:bodyPr/>
-          <a:lstStyle>
-            <a:extLst/>
-          </a:lstStyle>
-          <a:p>
-            <a:fld id="{58747887-F468-4A2C-BD2F-04F3097F6347}" type="datetimeFigureOut">
+          <a:lstStyle/>
+          <a:p>
+            <a:fld id="{4AD090E7-64F0-47BD-B011-09C2CE491347}" type="datetime1">
               <a:rPr lang="en-US" smtClean="0"/>
               <a:t>12/7/2017</a:t>
             </a:fld>
@@ -2430,9 +2739,7 @@
         <p:spPr/>
         <p:txBody>
           <a:bodyPr/>
-          <a:lstStyle>
-            <a:extLst/>
-          </a:lstStyle>
+          <a:lstStyle/>
           <a:p>
             <a:endParaRPr lang="en-US"/>
           </a:p>
@@ -2451,9 +2758,7 @@
         <p:spPr/>
         <p:txBody>
           <a:bodyPr/>
-          <a:lstStyle>
-            <a:extLst/>
-          </a:lstStyle>
+          <a:lstStyle/>
           <a:p>
             <a:fld id="{A255F231-0A6F-49D2-951F-550B2B95B5B4}" type="slidenum">
               <a:rPr lang="en-US" smtClean="0"/>
@@ -2540,9 +2845,7 @@
         </p:style>
         <p:txBody>
           <a:bodyPr rtlCol="0" anchor="ctr"/>
-          <a:lstStyle>
-            <a:extLst/>
-          </a:lstStyle>
+          <a:lstStyle/>
           <a:p>
             <a:pPr algn="ctr" eaLnBrk="1" latinLnBrk="0" hangingPunct="1"/>
             <a:endParaRPr kumimoji="0" lang="en-US"/>
@@ -2596,9 +2899,7 @@
         </p:style>
         <p:txBody>
           <a:bodyPr rtlCol="0" anchor="ctr"/>
-          <a:lstStyle>
-            <a:extLst/>
-          </a:lstStyle>
+          <a:lstStyle/>
           <a:p>
             <a:pPr algn="ctr" eaLnBrk="1" latinLnBrk="0" hangingPunct="1"/>
             <a:endParaRPr kumimoji="0" lang="en-US"/>
@@ -2769,11 +3070,9 @@
         <p:spPr/>
         <p:txBody>
           <a:bodyPr/>
-          <a:lstStyle>
-            <a:extLst/>
-          </a:lstStyle>
-          <a:p>
-            <a:fld id="{58747887-F468-4A2C-BD2F-04F3097F6347}" type="datetimeFigureOut">
+          <a:lstStyle/>
+          <a:p>
+            <a:fld id="{5B3E4072-9238-4BD5-9F58-3D4D92F08746}" type="datetime1">
               <a:rPr lang="en-US" smtClean="0"/>
               <a:t>12/7/2017</a:t>
             </a:fld>
@@ -2794,9 +3093,7 @@
         <p:spPr/>
         <p:txBody>
           <a:bodyPr/>
-          <a:lstStyle>
-            <a:extLst/>
-          </a:lstStyle>
+          <a:lstStyle/>
           <a:p>
             <a:endParaRPr lang="en-US"/>
           </a:p>
@@ -2815,9 +3112,7 @@
         <p:spPr/>
         <p:txBody>
           <a:bodyPr/>
-          <a:lstStyle>
-            <a:extLst/>
-          </a:lstStyle>
+          <a:lstStyle/>
           <a:p>
             <a:fld id="{A255F231-0A6F-49D2-951F-550B2B95B5B4}" type="slidenum">
               <a:rPr lang="en-US" smtClean="0"/>
@@ -2988,9 +3283,7 @@
         </p:style>
         <p:txBody>
           <a:bodyPr anchor="ctr"/>
-          <a:lstStyle>
-            <a:extLst/>
-          </a:lstStyle>
+          <a:lstStyle/>
           <a:p>
             <a:pPr algn="ctr" eaLnBrk="1" latinLnBrk="0" hangingPunct="1"/>
             <a:endParaRPr kumimoji="0" lang="en-US"/>
@@ -3020,9 +3313,7 @@
           <a:bodyPr vert="horz" lIns="45720" tIns="0" rIns="45720" bIns="0" anchor="b" anchorCtr="0">
             <a:normAutofit/>
           </a:bodyPr>
-          <a:lstStyle>
-            <a:extLst/>
-          </a:lstStyle>
+          <a:lstStyle/>
           <a:p>
             <a:r>
               <a:rPr kumimoji="0" lang="en-US" smtClean="0"/>
@@ -3055,9 +3346,7 @@
           <a:bodyPr vert="horz">
             <a:normAutofit/>
           </a:bodyPr>
-          <a:lstStyle>
-            <a:extLst/>
-          </a:lstStyle>
+          <a:lstStyle/>
           <a:p>
             <a:pPr lvl="0" eaLnBrk="1" latinLnBrk="0" hangingPunct="1"/>
             <a:r>
@@ -3128,7 +3417,7 @@
             <a:extLst/>
           </a:lstStyle>
           <a:p>
-            <a:fld id="{58747887-F468-4A2C-BD2F-04F3097F6347}" type="datetimeFigureOut">
+            <a:fld id="{A2F63CDB-B862-4CAE-881A-32984E72FF35}" type="datetime1">
               <a:rPr lang="en-US" smtClean="0"/>
               <a:t>12/7/2017</a:t>
             </a:fld>
@@ -3228,6 +3517,7 @@
     <p:sldLayoutId id="2147483670" r:id="rId10"/>
     <p:sldLayoutId id="2147483671" r:id="rId11"/>
   </p:sldLayoutIdLst>
+  <p:hf hdr="0" ftr="0" dt="0"/>
   <p:txStyles>
     <p:titleStyle>
       <a:lvl1pPr algn="l" rtl="0" eaLnBrk="1" latinLnBrk="0" hangingPunct="1">
@@ -3618,7 +3908,7 @@
         </p:nvSpPr>
         <p:spPr>
           <a:xfrm>
-            <a:off x="2743200" y="2514600"/>
+            <a:off x="2743200" y="2529371"/>
             <a:ext cx="6400800" cy="4114800"/>
           </a:xfrm>
         </p:spPr>
@@ -3733,6 +4023,28 @@
           </a:p>
           <a:p>
             <a:pPr algn="ctr"/>
+            <a:endParaRPr lang="en-US" dirty="0" smtClean="0"/>
+          </a:p>
+          <a:p>
+            <a:endParaRPr lang="en-US" dirty="0"/>
+          </a:p>
+        </p:txBody>
+      </p:sp>
+      <p:sp>
+        <p:nvSpPr>
+          <p:cNvPr id="4" name="Slide Number Placeholder 3"/>
+          <p:cNvSpPr>
+            <a:spLocks noGrp="1"/>
+          </p:cNvSpPr>
+          <p:nvPr>
+            <p:ph type="sldNum" sz="quarter" idx="12"/>
+          </p:nvPr>
+        </p:nvSpPr>
+        <p:spPr/>
+        <p:txBody>
+          <a:bodyPr/>
+          <a:lstStyle/>
+          <a:p>
             <a:endParaRPr lang="en-US" dirty="0" smtClean="0"/>
           </a:p>
           <a:p>
@@ -3784,11 +4096,7 @@
           <a:p>
             <a:r>
               <a:rPr lang="en-US" sz="3600" dirty="0" smtClean="0"/>
-              <a:t>Horizon </a:t>
-            </a:r>
-            <a:r>
-              <a:rPr lang="en-US" sz="3600" dirty="0" smtClean="0"/>
-              <a:t>2020</a:t>
+              <a:t>Horizon 2020</a:t>
             </a:r>
             <a:endParaRPr lang="en-US" sz="3600" dirty="0"/>
           </a:p>
@@ -3878,6 +4186,38 @@
             <a:endParaRPr lang="sr-Latn-RS" dirty="0" smtClean="0"/>
           </a:p>
           <a:p>
+            <a:endParaRPr lang="en-US" dirty="0"/>
+          </a:p>
+        </p:txBody>
+      </p:sp>
+      <p:sp>
+        <p:nvSpPr>
+          <p:cNvPr id="4" name="Slide Number Placeholder 3"/>
+          <p:cNvSpPr>
+            <a:spLocks noGrp="1"/>
+          </p:cNvSpPr>
+          <p:nvPr>
+            <p:ph type="sldNum" sz="quarter" idx="12"/>
+          </p:nvPr>
+        </p:nvSpPr>
+        <p:spPr>
+          <a:xfrm>
+            <a:off x="6269664" y="6556248"/>
+            <a:ext cx="588336" cy="228600"/>
+          </a:xfrm>
+        </p:spPr>
+        <p:txBody>
+          <a:bodyPr/>
+          <a:lstStyle/>
+          <a:p>
+            <a:fld id="{A255F231-0A6F-49D2-951F-550B2B95B5B4}" type="slidenum">
+              <a:rPr lang="en-US" smtClean="0"/>
+              <a:t>2</a:t>
+            </a:fld>
+            <a:r>
+              <a:rPr lang="en-US" dirty="0" smtClean="0"/>
+              <a:t>/8</a:t>
+            </a:r>
             <a:endParaRPr lang="en-US" dirty="0"/>
           </a:p>
         </p:txBody>
@@ -3975,6 +4315,38 @@
           </a:p>
         </p:txBody>
       </p:sp>
+      <p:sp>
+        <p:nvSpPr>
+          <p:cNvPr id="4" name="Slide Number Placeholder 3"/>
+          <p:cNvSpPr>
+            <a:spLocks noGrp="1"/>
+          </p:cNvSpPr>
+          <p:nvPr>
+            <p:ph type="sldNum" sz="quarter" idx="12"/>
+          </p:nvPr>
+        </p:nvSpPr>
+        <p:spPr>
+          <a:xfrm>
+            <a:off x="6269664" y="6556248"/>
+            <a:ext cx="588336" cy="228600"/>
+          </a:xfrm>
+        </p:spPr>
+        <p:txBody>
+          <a:bodyPr/>
+          <a:lstStyle/>
+          <a:p>
+            <a:fld id="{A255F231-0A6F-49D2-951F-550B2B95B5B4}" type="slidenum">
+              <a:rPr lang="en-US" smtClean="0"/>
+              <a:t>3</a:t>
+            </a:fld>
+            <a:r>
+              <a:rPr lang="en-US" dirty="0" smtClean="0"/>
+              <a:t>/8</a:t>
+            </a:r>
+            <a:endParaRPr lang="en-US" dirty="0"/>
+          </a:p>
+        </p:txBody>
+      </p:sp>
     </p:spTree>
   </p:cSld>
   <p:clrMapOvr>
@@ -4057,6 +4429,33 @@
           </a:p>
         </p:txBody>
       </p:sp>
+      <p:sp>
+        <p:nvSpPr>
+          <p:cNvPr id="4" name="Slide Number Placeholder 3"/>
+          <p:cNvSpPr>
+            <a:spLocks noGrp="1"/>
+          </p:cNvSpPr>
+          <p:nvPr>
+            <p:ph type="sldNum" sz="quarter" idx="12"/>
+          </p:nvPr>
+        </p:nvSpPr>
+        <p:spPr/>
+        <p:txBody>
+          <a:bodyPr/>
+          <a:lstStyle/>
+          <a:p>
+            <a:fld id="{A255F231-0A6F-49D2-951F-550B2B95B5B4}" type="slidenum">
+              <a:rPr lang="en-US" smtClean="0"/>
+              <a:t>4</a:t>
+            </a:fld>
+            <a:r>
+              <a:rPr lang="en-US" dirty="0" smtClean="0"/>
+              <a:t>/8</a:t>
+            </a:r>
+            <a:endParaRPr lang="en-US" dirty="0"/>
+          </a:p>
+        </p:txBody>
+      </p:sp>
     </p:spTree>
   </p:cSld>
   <p:clrMapOvr>
@@ -4180,6 +4579,33 @@
           </a:p>
         </p:txBody>
       </p:sp>
+      <p:sp>
+        <p:nvSpPr>
+          <p:cNvPr id="4" name="Slide Number Placeholder 3"/>
+          <p:cNvSpPr>
+            <a:spLocks noGrp="1"/>
+          </p:cNvSpPr>
+          <p:nvPr>
+            <p:ph type="sldNum" sz="quarter" idx="12"/>
+          </p:nvPr>
+        </p:nvSpPr>
+        <p:spPr/>
+        <p:txBody>
+          <a:bodyPr/>
+          <a:lstStyle/>
+          <a:p>
+            <a:fld id="{A255F231-0A6F-49D2-951F-550B2B95B5B4}" type="slidenum">
+              <a:rPr lang="en-US" smtClean="0"/>
+              <a:t>5</a:t>
+            </a:fld>
+            <a:r>
+              <a:rPr lang="en-US" dirty="0" smtClean="0"/>
+              <a:t>/8</a:t>
+            </a:r>
+            <a:endParaRPr lang="en-US" dirty="0"/>
+          </a:p>
+        </p:txBody>
+      </p:sp>
     </p:spTree>
   </p:cSld>
   <p:clrMapOvr>
@@ -4305,26 +4731,14 @@
             </a:r>
             <a:r>
               <a:rPr lang="en-US" dirty="0" smtClean="0"/>
-              <a:t> </a:t>
-            </a:r>
-            <a:r>
-              <a:rPr lang="en-US" dirty="0" smtClean="0"/>
-              <a:t>EU</a:t>
+              <a:t> EU</a:t>
             </a:r>
             <a:endParaRPr lang="sr-Latn-RS" dirty="0" smtClean="0"/>
           </a:p>
           <a:p>
             <a:r>
               <a:rPr lang="sv-SE" dirty="0" smtClean="0"/>
-              <a:t>SPAS će </a:t>
-            </a:r>
-            <a:r>
-              <a:rPr lang="sv-SE" dirty="0" smtClean="0"/>
-              <a:t>biti </a:t>
-            </a:r>
-            <a:r>
-              <a:rPr lang="sv-SE" dirty="0" smtClean="0"/>
-              <a:t>predstavljen </a:t>
+              <a:t>SPAS će biti predstavljen </a:t>
             </a:r>
             <a:r>
               <a:rPr lang="sr-Latn-RS" dirty="0" smtClean="0"/>
@@ -4395,6 +4809,33 @@
             <a:r>
               <a:rPr lang="sr-Latn-RS" dirty="0" smtClean="0"/>
               <a:t> sveta</a:t>
+            </a:r>
+            <a:endParaRPr lang="en-US" dirty="0"/>
+          </a:p>
+        </p:txBody>
+      </p:sp>
+      <p:sp>
+        <p:nvSpPr>
+          <p:cNvPr id="4" name="Slide Number Placeholder 3"/>
+          <p:cNvSpPr>
+            <a:spLocks noGrp="1"/>
+          </p:cNvSpPr>
+          <p:nvPr>
+            <p:ph type="sldNum" sz="quarter" idx="12"/>
+          </p:nvPr>
+        </p:nvSpPr>
+        <p:spPr/>
+        <p:txBody>
+          <a:bodyPr/>
+          <a:lstStyle/>
+          <a:p>
+            <a:fld id="{A255F231-0A6F-49D2-951F-550B2B95B5B4}" type="slidenum">
+              <a:rPr lang="en-US" smtClean="0"/>
+              <a:t>6</a:t>
+            </a:fld>
+            <a:r>
+              <a:rPr lang="en-US" dirty="0" smtClean="0"/>
+              <a:t>/8</a:t>
             </a:r>
             <a:endParaRPr lang="en-US" dirty="0"/>
           </a:p>
@@ -4504,6 +4945,33 @@
           </a:p>
         </p:txBody>
       </p:sp>
+      <p:sp>
+        <p:nvSpPr>
+          <p:cNvPr id="4" name="Slide Number Placeholder 3"/>
+          <p:cNvSpPr>
+            <a:spLocks noGrp="1"/>
+          </p:cNvSpPr>
+          <p:nvPr>
+            <p:ph type="sldNum" sz="quarter" idx="12"/>
+          </p:nvPr>
+        </p:nvSpPr>
+        <p:spPr/>
+        <p:txBody>
+          <a:bodyPr/>
+          <a:lstStyle/>
+          <a:p>
+            <a:fld id="{A255F231-0A6F-49D2-951F-550B2B95B5B4}" type="slidenum">
+              <a:rPr lang="en-US" smtClean="0"/>
+              <a:t>7</a:t>
+            </a:fld>
+            <a:r>
+              <a:rPr lang="en-US" dirty="0" smtClean="0"/>
+              <a:t>/8</a:t>
+            </a:r>
+            <a:endParaRPr lang="en-US" dirty="0"/>
+          </a:p>
+        </p:txBody>
+      </p:sp>
     </p:spTree>
   </p:cSld>
   <p:clrMapOvr>
@@ -4578,6 +5046,33 @@
           <a:bodyPr/>
           <a:lstStyle/>
           <a:p>
+            <a:endParaRPr lang="en-US" dirty="0"/>
+          </a:p>
+        </p:txBody>
+      </p:sp>
+      <p:sp>
+        <p:nvSpPr>
+          <p:cNvPr id="4" name="Slide Number Placeholder 3"/>
+          <p:cNvSpPr>
+            <a:spLocks noGrp="1"/>
+          </p:cNvSpPr>
+          <p:nvPr>
+            <p:ph type="sldNum" sz="quarter" idx="12"/>
+          </p:nvPr>
+        </p:nvSpPr>
+        <p:spPr/>
+        <p:txBody>
+          <a:bodyPr/>
+          <a:lstStyle/>
+          <a:p>
+            <a:fld id="{A255F231-0A6F-49D2-951F-550B2B95B5B4}" type="slidenum">
+              <a:rPr lang="en-US" smtClean="0"/>
+              <a:t>8</a:t>
+            </a:fld>
+            <a:r>
+              <a:rPr lang="en-US" dirty="0" smtClean="0"/>
+              <a:t>/8</a:t>
+            </a:r>
             <a:endParaRPr lang="en-US" dirty="0"/>
           </a:p>
         </p:txBody>
@@ -4887,4 +5382,265 @@
   <a:objectDefaults/>
   <a:extraClrSchemeLst/>
 </a:theme>
+</file>
+
+<file path=ppt/theme/theme2.xml><?xml version="1.0" encoding="utf-8"?>
+<a:theme xmlns:a="http://schemas.openxmlformats.org/drawingml/2006/main" name="Office Theme">
+  <a:themeElements>
+    <a:clrScheme name="Office">
+      <a:dk1>
+        <a:sysClr val="windowText" lastClr="000000"/>
+      </a:dk1>
+      <a:lt1>
+        <a:sysClr val="window" lastClr="FFFFFF"/>
+      </a:lt1>
+      <a:dk2>
+        <a:srgbClr val="44546A"/>
+      </a:dk2>
+      <a:lt2>
+        <a:srgbClr val="E7E6E6"/>
+      </a:lt2>
+      <a:accent1>
+        <a:srgbClr val="5B9BD5"/>
+      </a:accent1>
+      <a:accent2>
+        <a:srgbClr val="ED7D31"/>
+      </a:accent2>
+      <a:accent3>
+        <a:srgbClr val="A5A5A5"/>
+      </a:accent3>
+      <a:accent4>
+        <a:srgbClr val="FFC000"/>
+      </a:accent4>
+      <a:accent5>
+        <a:srgbClr val="4472C4"/>
+      </a:accent5>
+      <a:accent6>
+        <a:srgbClr val="70AD47"/>
+      </a:accent6>
+      <a:hlink>
+        <a:srgbClr val="0563C1"/>
+      </a:hlink>
+      <a:folHlink>
+        <a:srgbClr val="954F72"/>
+      </a:folHlink>
+    </a:clrScheme>
+    <a:fontScheme name="Office">
+      <a:majorFont>
+        <a:latin typeface="Calibri Light" panose="020F0302020204030204"/>
+        <a:ea typeface=""/>
+        <a:cs typeface=""/>
+        <a:font script="Jpan" typeface="游ゴシック Light"/>
+        <a:font script="Hang" typeface="맑은 고딕"/>
+        <a:font script="Hans" typeface="等线 Light"/>
+        <a:font script="Hant" typeface="新細明體"/>
+        <a:font script="Arab" typeface="Times New Roman"/>
+        <a:font script="Hebr" typeface="Times New Roman"/>
+        <a:font script="Thai" typeface="Angsana New"/>
+        <a:font script="Ethi" typeface="Nyala"/>
+        <a:font script="Beng" typeface="Vrinda"/>
+        <a:font script="Gujr" typeface="Shruti"/>
+        <a:font script="Khmr" typeface="MoolBoran"/>
+        <a:font script="Knda" typeface="Tunga"/>
+        <a:font script="Guru" typeface="Raavi"/>
+        <a:font script="Cans" typeface="Euphemia"/>
+        <a:font script="Cher" typeface="Plantagenet Cherokee"/>
+        <a:font script="Yiii" typeface="Microsoft Yi Baiti"/>
+        <a:font script="Tibt" typeface="Microsoft Himalaya"/>
+        <a:font script="Thaa" typeface="MV Boli"/>
+        <a:font script="Deva" typeface="Mangal"/>
+        <a:font script="Telu" typeface="Gautami"/>
+        <a:font script="Taml" typeface="Latha"/>
+        <a:font script="Syrc" typeface="Estrangelo Edessa"/>
+        <a:font script="Orya" typeface="Kalinga"/>
+        <a:font script="Mlym" typeface="Kartika"/>
+        <a:font script="Laoo" typeface="DokChampa"/>
+        <a:font script="Sinh" typeface="Iskoola Pota"/>
+        <a:font script="Mong" typeface="Mongolian Baiti"/>
+        <a:font script="Viet" typeface="Times New Roman"/>
+        <a:font script="Uigh" typeface="Microsoft Uighur"/>
+        <a:font script="Geor" typeface="Sylfaen"/>
+      </a:majorFont>
+      <a:minorFont>
+        <a:latin typeface="Calibri" panose="020F0502020204030204"/>
+        <a:ea typeface=""/>
+        <a:cs typeface=""/>
+        <a:font script="Jpan" typeface="游ゴシック"/>
+        <a:font script="Hang" typeface="맑은 고딕"/>
+        <a:font script="Hans" typeface="等线"/>
+        <a:font script="Hant" typeface="新細明體"/>
+        <a:font script="Arab" typeface="Arial"/>
+        <a:font script="Hebr" typeface="Arial"/>
+        <a:font script="Thai" typeface="Cordia New"/>
+        <a:font script="Ethi" typeface="Nyala"/>
+        <a:font script="Beng" typeface="Vrinda"/>
+        <a:font script="Gujr" typeface="Shruti"/>
+        <a:font script="Khmr" typeface="DaunPenh"/>
+        <a:font script="Knda" typeface="Tunga"/>
+        <a:font script="Guru" typeface="Raavi"/>
+        <a:font script="Cans" typeface="Euphemia"/>
+        <a:font script="Cher" typeface="Plantagenet Cherokee"/>
+        <a:font script="Yiii" typeface="Microsoft Yi Baiti"/>
+        <a:font script="Tibt" typeface="Microsoft Himalaya"/>
+        <a:font script="Thaa" typeface="MV Boli"/>
+        <a:font script="Deva" typeface="Mangal"/>
+        <a:font script="Telu" typeface="Gautami"/>
+        <a:font script="Taml" typeface="Latha"/>
+        <a:font script="Syrc" typeface="Estrangelo Edessa"/>
+        <a:font script="Orya" typeface="Kalinga"/>
+        <a:font script="Mlym" typeface="Kartika"/>
+        <a:font script="Laoo" typeface="DokChampa"/>
+        <a:font script="Sinh" typeface="Iskoola Pota"/>
+        <a:font script="Mong" typeface="Mongolian Baiti"/>
+        <a:font script="Viet" typeface="Arial"/>
+        <a:font script="Uigh" typeface="Microsoft Uighur"/>
+        <a:font script="Geor" typeface="Sylfaen"/>
+      </a:minorFont>
+    </a:fontScheme>
+    <a:fmtScheme name="Office">
+      <a:fillStyleLst>
+        <a:solidFill>
+          <a:schemeClr val="phClr"/>
+        </a:solidFill>
+        <a:gradFill rotWithShape="1">
+          <a:gsLst>
+            <a:gs pos="0">
+              <a:schemeClr val="phClr">
+                <a:lumMod val="110000"/>
+                <a:satMod val="105000"/>
+                <a:tint val="67000"/>
+              </a:schemeClr>
+            </a:gs>
+            <a:gs pos="50000">
+              <a:schemeClr val="phClr">
+                <a:lumMod val="105000"/>
+                <a:satMod val="103000"/>
+                <a:tint val="73000"/>
+              </a:schemeClr>
+            </a:gs>
+            <a:gs pos="100000">
+              <a:schemeClr val="phClr">
+                <a:lumMod val="105000"/>
+                <a:satMod val="109000"/>
+                <a:tint val="81000"/>
+              </a:schemeClr>
+            </a:gs>
+          </a:gsLst>
+          <a:lin ang="5400000" scaled="0"/>
+        </a:gradFill>
+        <a:gradFill rotWithShape="1">
+          <a:gsLst>
+            <a:gs pos="0">
+              <a:schemeClr val="phClr">
+                <a:satMod val="103000"/>
+                <a:lumMod val="102000"/>
+                <a:tint val="94000"/>
+              </a:schemeClr>
+            </a:gs>
+            <a:gs pos="50000">
+              <a:schemeClr val="phClr">
+                <a:satMod val="110000"/>
+                <a:lumMod val="100000"/>
+                <a:shade val="100000"/>
+              </a:schemeClr>
+            </a:gs>
+            <a:gs pos="100000">
+              <a:schemeClr val="phClr">
+                <a:lumMod val="99000"/>
+                <a:satMod val="120000"/>
+                <a:shade val="78000"/>
+              </a:schemeClr>
+            </a:gs>
+          </a:gsLst>
+          <a:lin ang="5400000" scaled="0"/>
+        </a:gradFill>
+      </a:fillStyleLst>
+      <a:lnStyleLst>
+        <a:ln w="6350" cap="flat" cmpd="sng" algn="ctr">
+          <a:solidFill>
+            <a:schemeClr val="phClr"/>
+          </a:solidFill>
+          <a:prstDash val="solid"/>
+          <a:miter lim="800000"/>
+        </a:ln>
+        <a:ln w="12700" cap="flat" cmpd="sng" algn="ctr">
+          <a:solidFill>
+            <a:schemeClr val="phClr"/>
+          </a:solidFill>
+          <a:prstDash val="solid"/>
+          <a:miter lim="800000"/>
+        </a:ln>
+        <a:ln w="19050" cap="flat" cmpd="sng" algn="ctr">
+          <a:solidFill>
+            <a:schemeClr val="phClr"/>
+          </a:solidFill>
+          <a:prstDash val="solid"/>
+          <a:miter lim="800000"/>
+        </a:ln>
+      </a:lnStyleLst>
+      <a:effectStyleLst>
+        <a:effectStyle>
+          <a:effectLst/>
+        </a:effectStyle>
+        <a:effectStyle>
+          <a:effectLst/>
+        </a:effectStyle>
+        <a:effectStyle>
+          <a:effectLst>
+            <a:outerShdw blurRad="57150" dist="19050" dir="5400000" algn="ctr" rotWithShape="0">
+              <a:srgbClr val="000000">
+                <a:alpha val="63000"/>
+              </a:srgbClr>
+            </a:outerShdw>
+          </a:effectLst>
+        </a:effectStyle>
+      </a:effectStyleLst>
+      <a:bgFillStyleLst>
+        <a:solidFill>
+          <a:schemeClr val="phClr"/>
+        </a:solidFill>
+        <a:solidFill>
+          <a:schemeClr val="phClr">
+            <a:tint val="95000"/>
+            <a:satMod val="170000"/>
+          </a:schemeClr>
+        </a:solidFill>
+        <a:gradFill rotWithShape="1">
+          <a:gsLst>
+            <a:gs pos="0">
+              <a:schemeClr val="phClr">
+                <a:tint val="93000"/>
+                <a:satMod val="150000"/>
+                <a:shade val="98000"/>
+                <a:lumMod val="102000"/>
+              </a:schemeClr>
+            </a:gs>
+            <a:gs pos="50000">
+              <a:schemeClr val="phClr">
+                <a:tint val="98000"/>
+                <a:satMod val="130000"/>
+                <a:shade val="90000"/>
+                <a:lumMod val="103000"/>
+              </a:schemeClr>
+            </a:gs>
+            <a:gs pos="100000">
+              <a:schemeClr val="phClr">
+                <a:shade val="63000"/>
+                <a:satMod val="120000"/>
+              </a:schemeClr>
+            </a:gs>
+          </a:gsLst>
+          <a:lin ang="5400000" scaled="0"/>
+        </a:gradFill>
+      </a:bgFillStyleLst>
+    </a:fmtScheme>
+  </a:themeElements>
+  <a:objectDefaults/>
+  <a:extraClrSchemeLst/>
+  <a:extLst>
+    <a:ext uri="{05A4C25C-085E-4340-85A3-A5531E510DB2}">
+      <thm15:themeFamily xmlns:thm15="http://schemas.microsoft.com/office/thememl/2012/main" name="Office Theme" id="{62F939B6-93AF-4DB8-9C6B-D6C7DFDC589F}" vid="{4A3C46E8-61CC-4603-A589-7422A47A8E4A}"/>
+    </a:ext>
+  </a:extLst>
+</a:theme>
 </file>
--- a/H2020.pptx
+++ b/H2020.pptx
@@ -4738,7 +4738,11 @@
           <a:p>
             <a:r>
               <a:rPr lang="sv-SE" dirty="0" smtClean="0"/>
-              <a:t>SPAS će biti predstavljen </a:t>
+              <a:t>LIMBO </a:t>
+            </a:r>
+            <a:r>
+              <a:rPr lang="sv-SE" dirty="0" smtClean="0"/>
+              <a:t>će biti predstavljen </a:t>
             </a:r>
             <a:r>
               <a:rPr lang="sr-Latn-RS" dirty="0" smtClean="0"/>
@@ -4906,7 +4910,11 @@
           <a:p>
             <a:r>
               <a:rPr lang="sr-Latn-RS" dirty="0" smtClean="0"/>
-              <a:t>Povećan broj programerski obučenih ljudi</a:t>
+              <a:t>Povećan </a:t>
+            </a:r>
+            <a:r>
+              <a:rPr lang="sr-Latn-RS" dirty="0" smtClean="0"/>
+              <a:t>broj programerski obučenih ljudi</a:t>
             </a:r>
             <a:endParaRPr lang="en-US" dirty="0" smtClean="0"/>
           </a:p>

--- a/H2020.pptx
+++ b/H2020.pptx
@@ -5,7 +5,7 @@
     <p:sldMasterId id="2147483660" r:id="rId1"/>
   </p:sldMasterIdLst>
   <p:notesMasterIdLst>
-    <p:notesMasterId r:id="rId10"/>
+    <p:notesMasterId r:id="rId15"/>
   </p:notesMasterIdLst>
   <p:sldIdLst>
     <p:sldId id="256" r:id="rId2"/>
@@ -13,9 +13,14 @@
     <p:sldId id="258" r:id="rId4"/>
     <p:sldId id="259" r:id="rId5"/>
     <p:sldId id="260" r:id="rId6"/>
-    <p:sldId id="261" r:id="rId7"/>
-    <p:sldId id="262" r:id="rId8"/>
-    <p:sldId id="263" r:id="rId9"/>
+    <p:sldId id="264" r:id="rId7"/>
+    <p:sldId id="265" r:id="rId8"/>
+    <p:sldId id="266" r:id="rId9"/>
+    <p:sldId id="267" r:id="rId10"/>
+    <p:sldId id="268" r:id="rId11"/>
+    <p:sldId id="261" r:id="rId12"/>
+    <p:sldId id="262" r:id="rId13"/>
+    <p:sldId id="263" r:id="rId14"/>
   </p:sldIdLst>
   <p:sldSz cx="9144000" cy="6858000" type="screen4x3"/>
   <p:notesSz cx="6858000" cy="9144000"/>
@@ -116,7 +121,7 @@
   </p:defaultTextStyle>
   <p:extLst>
     <p:ext uri="{EFAFB233-063F-42B5-8137-9DF3F51BA10A}">
-      <p15:sldGuideLst xmlns:p15="http://schemas.microsoft.com/office/powerpoint/2012/main">
+      <p15:sldGuideLst xmlns:p15="http://schemas.microsoft.com/office/powerpoint/2012/main" xmlns="">
         <p15:guide id="1" orient="horz" pos="2160">
           <p15:clr>
             <a:srgbClr val="A4A3A4"/>
@@ -215,7 +220,8 @@
           <a:p>
             <a:fld id="{EA2D253C-00DA-416C-9254-443DAD742412}" type="datetimeFigureOut">
               <a:rPr lang="en-US" smtClean="0"/>
-              <a:t>12/7/2017</a:t>
+              <a:pPr/>
+              <a:t>12/8/2017</a:t>
             </a:fld>
             <a:endParaRPr lang="en-US"/>
           </a:p>
@@ -374,6 +380,7 @@
           <a:p>
             <a:fld id="{85C7A9CD-1C74-4031-A816-3C59A1FAD1CB}" type="slidenum">
               <a:rPr lang="en-US" smtClean="0"/>
+              <a:pPr/>
               <a:t>‹#›</a:t>
             </a:fld>
             <a:endParaRPr lang="en-US"/>
@@ -383,7 +390,7 @@
     </p:spTree>
     <p:extLst>
       <p:ext uri="{BB962C8B-B14F-4D97-AF65-F5344CB8AC3E}">
-        <p14:creationId xmlns:p14="http://schemas.microsoft.com/office/powerpoint/2010/main" val="430664061"/>
+        <p14:creationId xmlns:p14="http://schemas.microsoft.com/office/powerpoint/2010/main" xmlns="" val="430664061"/>
       </p:ext>
     </p:extLst>
   </p:cSld>
@@ -749,7 +756,8 @@
           <a:p>
             <a:fld id="{B5DF7F54-63DD-4161-A23C-E08EF82ACCE1}" type="datetime1">
               <a:rPr lang="en-US" smtClean="0"/>
-              <a:t>12/7/2017</a:t>
+              <a:pPr/>
+              <a:t>12/8/2017</a:t>
             </a:fld>
             <a:endParaRPr lang="en-US"/>
           </a:p>
@@ -942,7 +950,8 @@
           <a:p>
             <a:fld id="{5606BB6E-60BB-457E-B454-7758445C6B38}" type="datetime1">
               <a:rPr lang="en-US" smtClean="0"/>
-              <a:t>12/7/2017</a:t>
+              <a:pPr/>
+              <a:t>12/8/2017</a:t>
             </a:fld>
             <a:endParaRPr lang="en-US"/>
           </a:p>
@@ -984,6 +993,7 @@
           <a:p>
             <a:fld id="{A255F231-0A6F-49D2-951F-550B2B95B5B4}" type="slidenum">
               <a:rPr lang="en-US" smtClean="0"/>
+              <a:pPr/>
               <a:t>‹#›</a:t>
             </a:fld>
             <a:endParaRPr lang="en-US"/>
@@ -1122,7 +1132,8 @@
           <a:p>
             <a:fld id="{364700DE-98D6-4575-B5DF-BBDD8DC0E3BD}" type="datetime1">
               <a:rPr lang="en-US" smtClean="0"/>
-              <a:t>12/7/2017</a:t>
+              <a:pPr/>
+              <a:t>12/8/2017</a:t>
             </a:fld>
             <a:endParaRPr lang="en-US"/>
           </a:p>
@@ -1183,6 +1194,7 @@
           <a:p>
             <a:fld id="{A255F231-0A6F-49D2-951F-550B2B95B5B4}" type="slidenum">
               <a:rPr lang="en-US" smtClean="0"/>
+              <a:pPr/>
               <a:t>‹#›</a:t>
             </a:fld>
             <a:endParaRPr lang="en-US"/>
@@ -1306,7 +1318,8 @@
           <a:p>
             <a:fld id="{76C7F37F-C83D-4503-A83D-0F57245AE27A}" type="datetime1">
               <a:rPr lang="en-US" smtClean="0"/>
-              <a:t>12/7/2017</a:t>
+              <a:pPr/>
+              <a:t>12/8/2017</a:t>
             </a:fld>
             <a:endParaRPr lang="en-US"/>
           </a:p>
@@ -1348,6 +1361,7 @@
           <a:p>
             <a:fld id="{A255F231-0A6F-49D2-951F-550B2B95B5B4}" type="slidenum">
               <a:rPr lang="en-US" smtClean="0"/>
+              <a:pPr/>
               <a:t>‹#›</a:t>
             </a:fld>
             <a:endParaRPr lang="en-US"/>
@@ -1528,7 +1542,8 @@
           <a:p>
             <a:fld id="{78011396-87BA-4CB6-8E92-A5C90D75545F}" type="datetime1">
               <a:rPr lang="en-US" smtClean="0"/>
-              <a:t>12/7/2017</a:t>
+              <a:pPr/>
+              <a:t>12/8/2017</a:t>
             </a:fld>
             <a:endParaRPr lang="en-US"/>
           </a:p>
@@ -1589,6 +1604,7 @@
           <a:p>
             <a:fld id="{A255F231-0A6F-49D2-951F-550B2B95B5B4}" type="slidenum">
               <a:rPr lang="en-US" smtClean="0"/>
+              <a:pPr/>
               <a:t>‹#›</a:t>
             </a:fld>
             <a:endParaRPr lang="en-US"/>
@@ -1813,7 +1829,8 @@
           <a:p>
             <a:fld id="{21FEA94B-5E74-4980-80E7-199272FDD998}" type="datetime1">
               <a:rPr lang="en-US" smtClean="0"/>
-              <a:t>12/7/2017</a:t>
+              <a:pPr/>
+              <a:t>12/8/2017</a:t>
             </a:fld>
             <a:endParaRPr lang="en-US"/>
           </a:p>
@@ -1855,6 +1872,7 @@
           <a:p>
             <a:fld id="{A255F231-0A6F-49D2-951F-550B2B95B5B4}" type="slidenum">
               <a:rPr lang="en-US" smtClean="0"/>
+              <a:pPr/>
               <a:t>‹#›</a:t>
             </a:fld>
             <a:endParaRPr lang="en-US"/>
@@ -2238,7 +2256,8 @@
           <a:p>
             <a:fld id="{D95C63F1-D33F-4DF8-8398-60DC26BCAA06}" type="datetime1">
               <a:rPr lang="en-US" smtClean="0"/>
-              <a:t>12/7/2017</a:t>
+              <a:pPr/>
+              <a:t>12/8/2017</a:t>
             </a:fld>
             <a:endParaRPr lang="en-US"/>
           </a:p>
@@ -2280,6 +2299,7 @@
           <a:p>
             <a:fld id="{A255F231-0A6F-49D2-951F-550B2B95B5B4}" type="slidenum">
               <a:rPr lang="en-US" smtClean="0"/>
+              <a:pPr/>
               <a:t>‹#›</a:t>
             </a:fld>
             <a:endParaRPr lang="en-US"/>
@@ -2356,7 +2376,8 @@
           <a:p>
             <a:fld id="{631FC158-5BA3-4B5D-8835-68FED338A3F0}" type="datetime1">
               <a:rPr lang="en-US" smtClean="0"/>
-              <a:t>12/7/2017</a:t>
+              <a:pPr/>
+              <a:t>12/8/2017</a:t>
             </a:fld>
             <a:endParaRPr lang="en-US"/>
           </a:p>
@@ -2398,6 +2419,7 @@
           <a:p>
             <a:fld id="{A255F231-0A6F-49D2-951F-550B2B95B5B4}" type="slidenum">
               <a:rPr lang="en-US" smtClean="0"/>
+              <a:pPr/>
               <a:t>‹#›</a:t>
             </a:fld>
             <a:endParaRPr lang="en-US"/>
@@ -2455,7 +2477,8 @@
           <a:p>
             <a:fld id="{7D5E90C3-6FF8-4AA3-AF79-CD526D361C02}" type="datetime1">
               <a:rPr lang="en-US" smtClean="0"/>
-              <a:t>12/7/2017</a:t>
+              <a:pPr/>
+              <a:t>12/8/2017</a:t>
             </a:fld>
             <a:endParaRPr lang="en-US"/>
           </a:p>
@@ -2506,6 +2529,7 @@
           <a:p>
             <a:fld id="{A255F231-0A6F-49D2-951F-550B2B95B5B4}" type="slidenum">
               <a:rPr lang="en-US" smtClean="0"/>
+              <a:pPr/>
               <a:t>‹#›</a:t>
             </a:fld>
             <a:endParaRPr lang="en-US"/>
@@ -2720,7 +2744,8 @@
           <a:p>
             <a:fld id="{4AD090E7-64F0-47BD-B011-09C2CE491347}" type="datetime1">
               <a:rPr lang="en-US" smtClean="0"/>
-              <a:t>12/7/2017</a:t>
+              <a:pPr/>
+              <a:t>12/8/2017</a:t>
             </a:fld>
             <a:endParaRPr lang="en-US"/>
           </a:p>
@@ -2762,6 +2787,7 @@
           <a:p>
             <a:fld id="{A255F231-0A6F-49D2-951F-550B2B95B5B4}" type="slidenum">
               <a:rPr lang="en-US" smtClean="0"/>
+              <a:pPr/>
               <a:t>‹#›</a:t>
             </a:fld>
             <a:endParaRPr lang="en-US"/>
@@ -3074,7 +3100,8 @@
           <a:p>
             <a:fld id="{5B3E4072-9238-4BD5-9F58-3D4D92F08746}" type="datetime1">
               <a:rPr lang="en-US" smtClean="0"/>
-              <a:t>12/7/2017</a:t>
+              <a:pPr/>
+              <a:t>12/8/2017</a:t>
             </a:fld>
             <a:endParaRPr lang="en-US"/>
           </a:p>
@@ -3116,6 +3143,7 @@
           <a:p>
             <a:fld id="{A255F231-0A6F-49D2-951F-550B2B95B5B4}" type="slidenum">
               <a:rPr lang="en-US" smtClean="0"/>
+              <a:pPr/>
               <a:t>‹#›</a:t>
             </a:fld>
             <a:endParaRPr lang="en-US"/>
@@ -3419,7 +3447,8 @@
           <a:p>
             <a:fld id="{A2F63CDB-B862-4CAE-881A-32984E72FF35}" type="datetime1">
               <a:rPr lang="en-US" smtClean="0"/>
-              <a:t>12/7/2017</a:t>
+              <a:pPr/>
+              <a:t>12/8/2017</a:t>
             </a:fld>
             <a:endParaRPr lang="en-US"/>
           </a:p>
@@ -4060,6 +4089,592 @@
 </p:sld>
 </file>
 
+<file path=ppt/slides/slide10.xml><?xml version="1.0" encoding="utf-8"?>
+<p:sld xmlns:a="http://schemas.openxmlformats.org/drawingml/2006/main" xmlns:r="http://schemas.openxmlformats.org/officeDocument/2006/relationships" xmlns:p="http://schemas.openxmlformats.org/presentationml/2006/main">
+  <p:cSld>
+    <p:spTree>
+      <p:nvGrpSpPr>
+        <p:cNvPr id="1" name=""/>
+        <p:cNvGrpSpPr/>
+        <p:nvPr/>
+      </p:nvGrpSpPr>
+      <p:grpSpPr>
+        <a:xfrm>
+          <a:off x="0" y="0"/>
+          <a:ext cx="0" cy="0"/>
+          <a:chOff x="0" y="0"/>
+          <a:chExt cx="0" cy="0"/>
+        </a:xfrm>
+      </p:grpSpPr>
+      <p:sp>
+        <p:nvSpPr>
+          <p:cNvPr id="2" name="Title 1"/>
+          <p:cNvSpPr>
+            <a:spLocks noGrp="1"/>
+          </p:cNvSpPr>
+          <p:nvPr>
+            <p:ph type="title"/>
+          </p:nvPr>
+        </p:nvSpPr>
+        <p:spPr>
+          <a:xfrm>
+            <a:off x="228600" y="0"/>
+            <a:ext cx="7239000" cy="1143000"/>
+          </a:xfrm>
+        </p:spPr>
+        <p:txBody>
+          <a:bodyPr/>
+          <a:lstStyle/>
+          <a:p>
+            <a:r>
+              <a:rPr lang="en-US" dirty="0" err="1" smtClean="0"/>
+              <a:t>MIlestones</a:t>
+            </a:r>
+            <a:endParaRPr lang="en-US" dirty="0"/>
+          </a:p>
+        </p:txBody>
+      </p:sp>
+      <p:pic>
+        <p:nvPicPr>
+          <p:cNvPr id="5" name="Content Placeholder 4" descr="mils1.png"/>
+          <p:cNvPicPr>
+            <a:picLocks noGrp="1" noChangeAspect="1"/>
+          </p:cNvPicPr>
+          <p:nvPr>
+            <p:ph idx="1"/>
+          </p:nvPr>
+        </p:nvPicPr>
+        <p:blipFill>
+          <a:blip r:embed="rId2"/>
+          <a:stretch>
+            <a:fillRect/>
+          </a:stretch>
+        </p:blipFill>
+        <p:spPr>
+          <a:xfrm>
+            <a:off x="0" y="1066800"/>
+            <a:ext cx="9144000" cy="5410200"/>
+          </a:xfrm>
+        </p:spPr>
+      </p:pic>
+      <p:sp>
+        <p:nvSpPr>
+          <p:cNvPr id="4" name="Slide Number Placeholder 3"/>
+          <p:cNvSpPr>
+            <a:spLocks noGrp="1"/>
+          </p:cNvSpPr>
+          <p:nvPr>
+            <p:ph type="sldNum" sz="quarter" idx="12"/>
+          </p:nvPr>
+        </p:nvSpPr>
+        <p:spPr/>
+        <p:txBody>
+          <a:bodyPr/>
+          <a:lstStyle/>
+          <a:p>
+            <a:fld id="{A255F231-0A6F-49D2-951F-550B2B95B5B4}" type="slidenum">
+              <a:rPr lang="en-US" smtClean="0"/>
+              <a:pPr/>
+              <a:t>10</a:t>
+            </a:fld>
+            <a:r>
+              <a:rPr lang="en-US" dirty="0" smtClean="0"/>
+              <a:t>/13</a:t>
+            </a:r>
+            <a:endParaRPr lang="en-US" dirty="0"/>
+          </a:p>
+        </p:txBody>
+      </p:sp>
+    </p:spTree>
+  </p:cSld>
+  <p:clrMapOvr>
+    <a:masterClrMapping/>
+  </p:clrMapOvr>
+</p:sld>
+</file>
+
+<file path=ppt/slides/slide11.xml><?xml version="1.0" encoding="utf-8"?>
+<p:sld xmlns:a="http://schemas.openxmlformats.org/drawingml/2006/main" xmlns:r="http://schemas.openxmlformats.org/officeDocument/2006/relationships" xmlns:p="http://schemas.openxmlformats.org/presentationml/2006/main">
+  <p:cSld>
+    <p:spTree>
+      <p:nvGrpSpPr>
+        <p:cNvPr id="1" name=""/>
+        <p:cNvGrpSpPr/>
+        <p:nvPr/>
+      </p:nvGrpSpPr>
+      <p:grpSpPr>
+        <a:xfrm>
+          <a:off x="0" y="0"/>
+          <a:ext cx="0" cy="0"/>
+          <a:chOff x="0" y="0"/>
+          <a:chExt cx="0" cy="0"/>
+        </a:xfrm>
+      </p:grpSpPr>
+      <p:sp>
+        <p:nvSpPr>
+          <p:cNvPr id="2" name="Title 1"/>
+          <p:cNvSpPr>
+            <a:spLocks noGrp="1"/>
+          </p:cNvSpPr>
+          <p:nvPr>
+            <p:ph type="title"/>
+          </p:nvPr>
+        </p:nvSpPr>
+        <p:spPr/>
+        <p:txBody>
+          <a:bodyPr/>
+          <a:lstStyle/>
+          <a:p>
+            <a:r>
+              <a:rPr lang="sr-Latn-RS" dirty="0" smtClean="0"/>
+              <a:t>Konačni proizvod</a:t>
+            </a:r>
+            <a:endParaRPr lang="en-US" dirty="0"/>
+          </a:p>
+        </p:txBody>
+      </p:sp>
+      <p:sp>
+        <p:nvSpPr>
+          <p:cNvPr id="3" name="Content Placeholder 2"/>
+          <p:cNvSpPr>
+            <a:spLocks noGrp="1"/>
+          </p:cNvSpPr>
+          <p:nvPr>
+            <p:ph idx="1"/>
+          </p:nvPr>
+        </p:nvSpPr>
+        <p:spPr/>
+        <p:txBody>
+          <a:bodyPr/>
+          <a:lstStyle/>
+          <a:p>
+            <a:r>
+              <a:rPr lang="en-US" dirty="0" err="1" smtClean="0"/>
+              <a:t>Projekat</a:t>
+            </a:r>
+            <a:r>
+              <a:rPr lang="en-US" dirty="0" smtClean="0"/>
+              <a:t> </a:t>
+            </a:r>
+            <a:r>
+              <a:rPr lang="en-US" dirty="0" err="1" smtClean="0"/>
+              <a:t>će</a:t>
+            </a:r>
+            <a:r>
+              <a:rPr lang="en-US" dirty="0" smtClean="0"/>
+              <a:t> </a:t>
+            </a:r>
+            <a:r>
+              <a:rPr lang="en-US" dirty="0" err="1" smtClean="0"/>
+              <a:t>biti</a:t>
+            </a:r>
+            <a:r>
+              <a:rPr lang="en-US" dirty="0" smtClean="0"/>
+              <a:t> </a:t>
+            </a:r>
+            <a:r>
+              <a:rPr lang="en-US" dirty="0" err="1" smtClean="0"/>
+              <a:t>predstavljen</a:t>
+            </a:r>
+            <a:r>
+              <a:rPr lang="en-US" dirty="0" smtClean="0"/>
+              <a:t> </a:t>
+            </a:r>
+            <a:r>
+              <a:rPr lang="en-US" dirty="0" err="1" smtClean="0"/>
+              <a:t>svim</a:t>
+            </a:r>
+            <a:r>
+              <a:rPr lang="en-US" dirty="0" smtClean="0"/>
+              <a:t> </a:t>
+            </a:r>
+            <a:r>
+              <a:rPr lang="en-US" dirty="0" err="1" smtClean="0"/>
+              <a:t>ministarstvima</a:t>
+            </a:r>
+            <a:r>
+              <a:rPr lang="en-US" dirty="0" smtClean="0"/>
+              <a:t> </a:t>
+            </a:r>
+            <a:r>
+              <a:rPr lang="sr-Latn-RS" dirty="0" smtClean="0"/>
+              <a:t>obrazovanja</a:t>
+            </a:r>
+            <a:r>
+              <a:rPr lang="en-US" dirty="0" smtClean="0"/>
+              <a:t> </a:t>
+            </a:r>
+            <a:r>
+              <a:rPr lang="en-US" dirty="0" err="1" smtClean="0"/>
+              <a:t>širom</a:t>
+            </a:r>
+            <a:r>
+              <a:rPr lang="en-US" dirty="0" smtClean="0"/>
+              <a:t> EU</a:t>
+            </a:r>
+            <a:endParaRPr lang="sr-Latn-RS" dirty="0" smtClean="0"/>
+          </a:p>
+          <a:p>
+            <a:r>
+              <a:rPr lang="sv-SE" dirty="0" smtClean="0"/>
+              <a:t>LIMBO</a:t>
+            </a:r>
+            <a:r>
+              <a:rPr lang="sv-SE" dirty="0" smtClean="0"/>
+              <a:t> </a:t>
+            </a:r>
+            <a:r>
+              <a:rPr lang="sv-SE" dirty="0" smtClean="0"/>
+              <a:t>će biti predstavljen </a:t>
+            </a:r>
+            <a:r>
+              <a:rPr lang="sr-Latn-RS" dirty="0" smtClean="0"/>
+              <a:t>specijalizovanim srednjim školama</a:t>
+            </a:r>
+          </a:p>
+          <a:p>
+            <a:r>
+              <a:rPr lang="en-US" dirty="0" err="1" smtClean="0"/>
+              <a:t>Očekuje</a:t>
+            </a:r>
+            <a:r>
+              <a:rPr lang="en-US" dirty="0" smtClean="0"/>
+              <a:t> se </a:t>
+            </a:r>
+            <a:r>
+              <a:rPr lang="en-US" dirty="0" err="1" smtClean="0"/>
+              <a:t>da</a:t>
+            </a:r>
+            <a:r>
+              <a:rPr lang="en-US" dirty="0" smtClean="0"/>
+              <a:t> se </a:t>
+            </a:r>
+            <a:r>
+              <a:rPr lang="en-US" dirty="0" err="1" smtClean="0"/>
+              <a:t>zatim</a:t>
+            </a:r>
+            <a:r>
+              <a:rPr lang="en-US" dirty="0" smtClean="0"/>
+              <a:t> </a:t>
+            </a:r>
+            <a:r>
+              <a:rPr lang="en-US" dirty="0" err="1" smtClean="0"/>
+              <a:t>projekat</a:t>
+            </a:r>
+            <a:r>
+              <a:rPr lang="en-US" dirty="0" smtClean="0"/>
+              <a:t> </a:t>
+            </a:r>
+            <a:r>
+              <a:rPr lang="en-US" dirty="0" err="1" smtClean="0"/>
+              <a:t>predstavi</a:t>
+            </a:r>
+            <a:r>
+              <a:rPr lang="en-US" dirty="0" smtClean="0"/>
+              <a:t> </a:t>
+            </a:r>
+            <a:r>
+              <a:rPr lang="en-US" dirty="0" err="1" smtClean="0"/>
+              <a:t>i</a:t>
+            </a:r>
+            <a:r>
+              <a:rPr lang="en-US" dirty="0" smtClean="0"/>
+              <a:t> </a:t>
+            </a:r>
+            <a:r>
+              <a:rPr lang="en-US" dirty="0" err="1" smtClean="0"/>
+              <a:t>ostalim</a:t>
+            </a:r>
+            <a:r>
+              <a:rPr lang="en-US" dirty="0" smtClean="0"/>
+              <a:t> </a:t>
+            </a:r>
+            <a:r>
+              <a:rPr lang="en-US" dirty="0" err="1" smtClean="0"/>
+              <a:t>zemljama</a:t>
+            </a:r>
+            <a:r>
+              <a:rPr lang="sr-Latn-RS" dirty="0" smtClean="0"/>
+              <a:t> sveta</a:t>
+            </a:r>
+            <a:endParaRPr lang="en-US" dirty="0"/>
+          </a:p>
+        </p:txBody>
+      </p:sp>
+      <p:sp>
+        <p:nvSpPr>
+          <p:cNvPr id="4" name="Slide Number Placeholder 3"/>
+          <p:cNvSpPr>
+            <a:spLocks noGrp="1"/>
+          </p:cNvSpPr>
+          <p:nvPr>
+            <p:ph type="sldNum" sz="quarter" idx="12"/>
+          </p:nvPr>
+        </p:nvSpPr>
+        <p:spPr/>
+        <p:txBody>
+          <a:bodyPr/>
+          <a:lstStyle/>
+          <a:p>
+            <a:fld id="{A255F231-0A6F-49D2-951F-550B2B95B5B4}" type="slidenum">
+              <a:rPr lang="en-US" smtClean="0"/>
+              <a:pPr/>
+              <a:t>11</a:t>
+            </a:fld>
+            <a:r>
+              <a:rPr lang="en-US" dirty="0" smtClean="0"/>
+              <a:t>/13</a:t>
+            </a:r>
+            <a:endParaRPr lang="en-US" dirty="0"/>
+          </a:p>
+        </p:txBody>
+      </p:sp>
+    </p:spTree>
+  </p:cSld>
+  <p:clrMapOvr>
+    <a:masterClrMapping/>
+  </p:clrMapOvr>
+</p:sld>
+</file>
+
+<file path=ppt/slides/slide12.xml><?xml version="1.0" encoding="utf-8"?>
+<p:sld xmlns:a="http://schemas.openxmlformats.org/drawingml/2006/main" xmlns:r="http://schemas.openxmlformats.org/officeDocument/2006/relationships" xmlns:p="http://schemas.openxmlformats.org/presentationml/2006/main">
+  <p:cSld>
+    <p:spTree>
+      <p:nvGrpSpPr>
+        <p:cNvPr id="1" name=""/>
+        <p:cNvGrpSpPr/>
+        <p:nvPr/>
+      </p:nvGrpSpPr>
+      <p:grpSpPr>
+        <a:xfrm>
+          <a:off x="0" y="0"/>
+          <a:ext cx="0" cy="0"/>
+          <a:chOff x="0" y="0"/>
+          <a:chExt cx="0" cy="0"/>
+        </a:xfrm>
+      </p:grpSpPr>
+      <p:sp>
+        <p:nvSpPr>
+          <p:cNvPr id="2" name="Title 1"/>
+          <p:cNvSpPr>
+            <a:spLocks noGrp="1"/>
+          </p:cNvSpPr>
+          <p:nvPr>
+            <p:ph type="title"/>
+          </p:nvPr>
+        </p:nvSpPr>
+        <p:spPr/>
+        <p:txBody>
+          <a:bodyPr/>
+          <a:lstStyle/>
+          <a:p>
+            <a:r>
+              <a:rPr lang="en-US" dirty="0" err="1" smtClean="0"/>
+              <a:t>Rezultat</a:t>
+            </a:r>
+            <a:endParaRPr lang="en-US" dirty="0"/>
+          </a:p>
+        </p:txBody>
+      </p:sp>
+      <p:sp>
+        <p:nvSpPr>
+          <p:cNvPr id="3" name="Content Placeholder 2"/>
+          <p:cNvSpPr>
+            <a:spLocks noGrp="1"/>
+          </p:cNvSpPr>
+          <p:nvPr>
+            <p:ph idx="1"/>
+          </p:nvPr>
+        </p:nvSpPr>
+        <p:spPr/>
+        <p:txBody>
+          <a:bodyPr/>
+          <a:lstStyle/>
+          <a:p>
+            <a:r>
+              <a:rPr lang="sr-Latn-RS" dirty="0" smtClean="0"/>
+              <a:t>Povećan broj programerski obučenih ljudi</a:t>
+            </a:r>
+            <a:endParaRPr lang="en-US" dirty="0" smtClean="0"/>
+          </a:p>
+          <a:p>
+            <a:pPr>
+              <a:buNone/>
+            </a:pPr>
+            <a:endParaRPr lang="en-US" dirty="0" smtClean="0"/>
+          </a:p>
+          <a:p>
+            <a:r>
+              <a:rPr lang="sr-Latn-RS" dirty="0" smtClean="0"/>
+              <a:t>Povećan broj zaposlenih u industrijskom sektoru</a:t>
+            </a:r>
+            <a:endParaRPr lang="en-US" dirty="0" smtClean="0"/>
+          </a:p>
+          <a:p>
+            <a:pPr>
+              <a:buNone/>
+            </a:pPr>
+            <a:endParaRPr lang="en-US" dirty="0" smtClean="0"/>
+          </a:p>
+          <a:p>
+            <a:r>
+              <a:rPr lang="en-US" dirty="0" err="1" smtClean="0"/>
+              <a:t>Povećan</a:t>
+            </a:r>
+            <a:r>
+              <a:rPr lang="sr-Latn-RS" dirty="0" smtClean="0"/>
+              <a:t>a društvena svest</a:t>
+            </a:r>
+            <a:endParaRPr lang="en-US" dirty="0" smtClean="0"/>
+          </a:p>
+          <a:p>
+            <a:endParaRPr lang="en-US" dirty="0"/>
+          </a:p>
+        </p:txBody>
+      </p:sp>
+      <p:sp>
+        <p:nvSpPr>
+          <p:cNvPr id="4" name="Slide Number Placeholder 3"/>
+          <p:cNvSpPr>
+            <a:spLocks noGrp="1"/>
+          </p:cNvSpPr>
+          <p:nvPr>
+            <p:ph type="sldNum" sz="quarter" idx="12"/>
+          </p:nvPr>
+        </p:nvSpPr>
+        <p:spPr/>
+        <p:txBody>
+          <a:bodyPr/>
+          <a:lstStyle/>
+          <a:p>
+            <a:fld id="{A255F231-0A6F-49D2-951F-550B2B95B5B4}" type="slidenum">
+              <a:rPr lang="en-US" smtClean="0"/>
+              <a:pPr/>
+              <a:t>12</a:t>
+            </a:fld>
+            <a:r>
+              <a:rPr lang="en-US" dirty="0" smtClean="0"/>
+              <a:t>/13</a:t>
+            </a:r>
+            <a:endParaRPr lang="en-US" dirty="0"/>
+          </a:p>
+        </p:txBody>
+      </p:sp>
+    </p:spTree>
+  </p:cSld>
+  <p:clrMapOvr>
+    <a:masterClrMapping/>
+  </p:clrMapOvr>
+</p:sld>
+</file>
+
+<file path=ppt/slides/slide13.xml><?xml version="1.0" encoding="utf-8"?>
+<p:sld xmlns:a="http://schemas.openxmlformats.org/drawingml/2006/main" xmlns:r="http://schemas.openxmlformats.org/officeDocument/2006/relationships" xmlns:p="http://schemas.openxmlformats.org/presentationml/2006/main">
+  <p:cSld>
+    <p:spTree>
+      <p:nvGrpSpPr>
+        <p:cNvPr id="1" name=""/>
+        <p:cNvGrpSpPr/>
+        <p:nvPr/>
+      </p:nvGrpSpPr>
+      <p:grpSpPr>
+        <a:xfrm>
+          <a:off x="0" y="0"/>
+          <a:ext cx="0" cy="0"/>
+          <a:chOff x="0" y="0"/>
+          <a:chExt cx="0" cy="0"/>
+        </a:xfrm>
+      </p:grpSpPr>
+      <p:sp>
+        <p:nvSpPr>
+          <p:cNvPr id="2" name="Title 1"/>
+          <p:cNvSpPr>
+            <a:spLocks noGrp="1"/>
+          </p:cNvSpPr>
+          <p:nvPr>
+            <p:ph type="title"/>
+          </p:nvPr>
+        </p:nvSpPr>
+        <p:spPr>
+          <a:xfrm>
+            <a:off x="381000" y="2438400"/>
+            <a:ext cx="7239000" cy="1143000"/>
+          </a:xfrm>
+        </p:spPr>
+        <p:txBody>
+          <a:bodyPr/>
+          <a:lstStyle/>
+          <a:p>
+            <a:pPr algn="ctr"/>
+            <a:r>
+              <a:rPr lang="sr-Latn-RS" dirty="0" smtClean="0"/>
+              <a:t>HVALA NA PAŽNJI</a:t>
+            </a:r>
+            <a:endParaRPr lang="en-US" dirty="0"/>
+          </a:p>
+        </p:txBody>
+      </p:sp>
+      <p:sp>
+        <p:nvSpPr>
+          <p:cNvPr id="3" name="Content Placeholder 2"/>
+          <p:cNvSpPr>
+            <a:spLocks noGrp="1"/>
+          </p:cNvSpPr>
+          <p:nvPr>
+            <p:ph idx="1"/>
+          </p:nvPr>
+        </p:nvSpPr>
+        <p:spPr>
+          <a:xfrm>
+            <a:off x="457200" y="4191000"/>
+            <a:ext cx="7239000" cy="2264736"/>
+          </a:xfrm>
+        </p:spPr>
+        <p:txBody>
+          <a:bodyPr/>
+          <a:lstStyle/>
+          <a:p>
+            <a:endParaRPr lang="en-US" dirty="0"/>
+          </a:p>
+        </p:txBody>
+      </p:sp>
+      <p:sp>
+        <p:nvSpPr>
+          <p:cNvPr id="4" name="Slide Number Placeholder 3"/>
+          <p:cNvSpPr>
+            <a:spLocks noGrp="1"/>
+          </p:cNvSpPr>
+          <p:nvPr>
+            <p:ph type="sldNum" sz="quarter" idx="12"/>
+          </p:nvPr>
+        </p:nvSpPr>
+        <p:spPr/>
+        <p:txBody>
+          <a:bodyPr/>
+          <a:lstStyle/>
+          <a:p>
+            <a:fld id="{A255F231-0A6F-49D2-951F-550B2B95B5B4}" type="slidenum">
+              <a:rPr lang="en-US" smtClean="0"/>
+              <a:pPr/>
+              <a:t>13</a:t>
+            </a:fld>
+            <a:r>
+              <a:rPr lang="en-US" dirty="0" smtClean="0"/>
+              <a:t>/13</a:t>
+            </a:r>
+            <a:endParaRPr lang="en-US" dirty="0"/>
+          </a:p>
+        </p:txBody>
+      </p:sp>
+    </p:spTree>
+  </p:cSld>
+  <p:clrMapOvr>
+    <a:masterClrMapping/>
+  </p:clrMapOvr>
+</p:sld>
+</file>
+
 <file path=ppt/slides/slide2.xml><?xml version="1.0" encoding="utf-8"?>
 <p:sld xmlns:a="http://schemas.openxmlformats.org/drawingml/2006/main" xmlns:r="http://schemas.openxmlformats.org/officeDocument/2006/relationships" xmlns:p="http://schemas.openxmlformats.org/presentationml/2006/main">
   <p:cSld>
@@ -4117,15 +4732,31 @@
           <a:bodyPr/>
           <a:lstStyle/>
           <a:p>
+            <a:pPr>
+              <a:buNone/>
+            </a:pPr>
+            <a:endParaRPr lang="sr-Latn-RS" dirty="0" smtClean="0"/>
+          </a:p>
+          <a:p>
             <a:r>
               <a:rPr lang="sr-Latn-RS" dirty="0" smtClean="0"/>
-              <a:t>Tip projekta: STREP</a:t>
-            </a:r>
-          </a:p>
-          <a:p>
+              <a:t>Predviđeno trajanje: </a:t>
+            </a:r>
             <a:r>
               <a:rPr lang="sr-Latn-RS" dirty="0" smtClean="0"/>
-              <a:t>Predviđeno trajanje: 13 meseci</a:t>
+              <a:t>1</a:t>
+            </a:r>
+            <a:r>
+              <a:rPr lang="en-US" dirty="0" smtClean="0"/>
+              <a:t>2</a:t>
+            </a:r>
+            <a:r>
+              <a:rPr lang="sr-Latn-RS" dirty="0" smtClean="0"/>
+              <a:t> </a:t>
+            </a:r>
+            <a:r>
+              <a:rPr lang="sr-Latn-RS" dirty="0" smtClean="0"/>
+              <a:t>meseci</a:t>
             </a:r>
           </a:p>
           <a:p>
@@ -4212,11 +4843,12 @@
           <a:p>
             <a:fld id="{A255F231-0A6F-49D2-951F-550B2B95B5B4}" type="slidenum">
               <a:rPr lang="en-US" smtClean="0"/>
+              <a:pPr/>
               <a:t>2</a:t>
             </a:fld>
             <a:r>
               <a:rPr lang="en-US" dirty="0" smtClean="0"/>
-              <a:t>/8</a:t>
+              <a:t>/13</a:t>
             </a:r>
             <a:endParaRPr lang="en-US" dirty="0"/>
           </a:p>
@@ -4293,10 +4925,29 @@
           <a:bodyPr/>
           <a:lstStyle/>
           <a:p>
+            <a:endParaRPr lang="en-US" dirty="0" smtClean="0"/>
+          </a:p>
+          <a:p>
+            <a:endParaRPr lang="en-US" dirty="0" smtClean="0"/>
+          </a:p>
+          <a:p>
             <a:r>
               <a:rPr lang="sr-Latn-RS" dirty="0" smtClean="0"/>
-              <a:t>Omogućiti slabovidim ljudima da se uključe u svet programiranja</a:t>
-            </a:r>
+              <a:t>Omogućiti </a:t>
+            </a:r>
+            <a:r>
+              <a:rPr lang="sr-Latn-RS" dirty="0" smtClean="0"/>
+              <a:t>slabovidim ljudima da se uključe u svet </a:t>
+            </a:r>
+            <a:r>
+              <a:rPr lang="en-US" dirty="0" err="1" smtClean="0"/>
+              <a:t>ra</a:t>
+            </a:r>
+            <a:r>
+              <a:rPr lang="sr-Latn-RS" dirty="0" smtClean="0"/>
+              <a:t>čunara</a:t>
+            </a:r>
+            <a:endParaRPr lang="sr-Latn-RS" dirty="0" smtClean="0"/>
           </a:p>
           <a:p>
             <a:r>
@@ -4337,11 +4988,12 @@
           <a:p>
             <a:fld id="{A255F231-0A6F-49D2-951F-550B2B95B5B4}" type="slidenum">
               <a:rPr lang="en-US" smtClean="0"/>
+              <a:pPr/>
               <a:t>3</a:t>
             </a:fld>
             <a:r>
               <a:rPr lang="en-US" dirty="0" smtClean="0"/>
-              <a:t>/8</a:t>
+              <a:t>/13</a:t>
             </a:r>
             <a:endParaRPr lang="en-US" dirty="0"/>
           </a:p>
@@ -4446,11 +5098,12 @@
           <a:p>
             <a:fld id="{A255F231-0A6F-49D2-951F-550B2B95B5B4}" type="slidenum">
               <a:rPr lang="en-US" smtClean="0"/>
+              <a:pPr/>
               <a:t>4</a:t>
             </a:fld>
             <a:r>
               <a:rPr lang="en-US" dirty="0" smtClean="0"/>
-              <a:t>/8</a:t>
+              <a:t>/13</a:t>
             </a:r>
             <a:endParaRPr lang="en-US" dirty="0"/>
           </a:p>
@@ -4596,11 +5249,12 @@
           <a:p>
             <a:fld id="{A255F231-0A6F-49D2-951F-550B2B95B5B4}" type="slidenum">
               <a:rPr lang="en-US" smtClean="0"/>
+              <a:pPr/>
               <a:t>5</a:t>
             </a:fld>
             <a:r>
               <a:rPr lang="en-US" dirty="0" smtClean="0"/>
-              <a:t>/8</a:t>
+              <a:t>/13</a:t>
             </a:r>
             <a:endParaRPr lang="en-US" dirty="0"/>
           </a:p>
@@ -4633,7 +5287,7 @@
       </p:grpSpPr>
       <p:sp>
         <p:nvSpPr>
-          <p:cNvPr id="2" name="Title 1"/>
+          <p:cNvPr id="10" name="Title 9"/>
           <p:cNvSpPr>
             <a:spLocks noGrp="1"/>
           </p:cNvSpPr>
@@ -4647,8 +5301,12 @@
           <a:lstStyle/>
           <a:p>
             <a:r>
-              <a:rPr lang="sr-Latn-RS" dirty="0" smtClean="0"/>
-              <a:t>Konačni proizvod</a:t>
+              <a:rPr lang="en-US" dirty="0" smtClean="0"/>
+              <a:t>Plan </a:t>
+            </a:r>
+            <a:r>
+              <a:rPr lang="en-US" dirty="0" err="1" smtClean="0"/>
+              <a:t>Rada</a:t>
             </a:r>
             <a:endParaRPr lang="en-US" dirty="0"/>
           </a:p>
@@ -4656,12 +5314,12 @@
       </p:sp>
       <p:sp>
         <p:nvSpPr>
-          <p:cNvPr id="3" name="Content Placeholder 2"/>
-          <p:cNvSpPr>
-            <a:spLocks noGrp="1"/>
-          </p:cNvSpPr>
-          <p:nvPr>
-            <p:ph idx="1"/>
+          <p:cNvPr id="4" name="Slide Number Placeholder 3"/>
+          <p:cNvSpPr>
+            <a:spLocks noGrp="1"/>
+          </p:cNvSpPr>
+          <p:nvPr>
+            <p:ph type="sldNum" sz="quarter" idx="12"/>
           </p:nvPr>
         </p:nvSpPr>
         <p:spPr/>
@@ -4669,182 +5327,42 @@
           <a:bodyPr/>
           <a:lstStyle/>
           <a:p>
-            <a:r>
-              <a:rPr lang="en-US" dirty="0" err="1" smtClean="0"/>
-              <a:t>Projekat</a:t>
-            </a:r>
-            <a:r>
-              <a:rPr lang="en-US" dirty="0" smtClean="0"/>
-              <a:t> </a:t>
-            </a:r>
-            <a:r>
-              <a:rPr lang="en-US" dirty="0" err="1" smtClean="0"/>
-              <a:t>će</a:t>
-            </a:r>
-            <a:r>
-              <a:rPr lang="en-US" dirty="0" smtClean="0"/>
-              <a:t> </a:t>
-            </a:r>
-            <a:r>
-              <a:rPr lang="en-US" dirty="0" err="1" smtClean="0"/>
-              <a:t>biti</a:t>
-            </a:r>
-            <a:r>
-              <a:rPr lang="en-US" dirty="0" smtClean="0"/>
-              <a:t> </a:t>
-            </a:r>
-            <a:r>
-              <a:rPr lang="en-US" dirty="0" err="1" smtClean="0"/>
-              <a:t>predstavljen</a:t>
-            </a:r>
-            <a:r>
-              <a:rPr lang="en-US" dirty="0" smtClean="0"/>
-              <a:t> </a:t>
-            </a:r>
-            <a:r>
-              <a:rPr lang="en-US" dirty="0" err="1" smtClean="0"/>
-              <a:t>svim</a:t>
-            </a:r>
-            <a:r>
-              <a:rPr lang="en-US" dirty="0" smtClean="0"/>
-              <a:t> </a:t>
-            </a:r>
-            <a:r>
-              <a:rPr lang="en-US" dirty="0" err="1" smtClean="0"/>
-              <a:t>ministarstvima</a:t>
-            </a:r>
-            <a:r>
-              <a:rPr lang="en-US" dirty="0" smtClean="0"/>
-              <a:t> </a:t>
-            </a:r>
-            <a:r>
-              <a:rPr lang="sr-Latn-RS" dirty="0" smtClean="0"/>
-              <a:t>obrazovanja</a:t>
-            </a:r>
-            <a:r>
-              <a:rPr lang="en-US" dirty="0" smtClean="0"/>
-              <a:t> </a:t>
-            </a:r>
-            <a:r>
-              <a:rPr lang="en-US" dirty="0" err="1" smtClean="0"/>
-              <a:t>širom</a:t>
-            </a:r>
-            <a:r>
-              <a:rPr lang="en-US" dirty="0" smtClean="0"/>
-              <a:t> EU</a:t>
-            </a:r>
-            <a:endParaRPr lang="sr-Latn-RS" dirty="0" smtClean="0"/>
-          </a:p>
-          <a:p>
-            <a:r>
-              <a:rPr lang="sv-SE" dirty="0" smtClean="0"/>
-              <a:t>LIMBO </a:t>
-            </a:r>
-            <a:r>
-              <a:rPr lang="sv-SE" dirty="0" smtClean="0"/>
-              <a:t>će biti predstavljen </a:t>
-            </a:r>
-            <a:r>
-              <a:rPr lang="sr-Latn-RS" dirty="0" smtClean="0"/>
-              <a:t>specijalizovanim srednjim školama</a:t>
-            </a:r>
-          </a:p>
-          <a:p>
-            <a:r>
-              <a:rPr lang="en-US" dirty="0" err="1" smtClean="0"/>
-              <a:t>Očekuje</a:t>
-            </a:r>
-            <a:r>
-              <a:rPr lang="en-US" dirty="0" smtClean="0"/>
-              <a:t> se </a:t>
-            </a:r>
-            <a:r>
-              <a:rPr lang="en-US" dirty="0" err="1" smtClean="0"/>
-              <a:t>da</a:t>
-            </a:r>
-            <a:r>
-              <a:rPr lang="en-US" dirty="0" smtClean="0"/>
-              <a:t> se </a:t>
-            </a:r>
-            <a:r>
-              <a:rPr lang="en-US" dirty="0" err="1" smtClean="0"/>
-              <a:t>zatim</a:t>
-            </a:r>
-            <a:r>
-              <a:rPr lang="en-US" dirty="0" smtClean="0"/>
-              <a:t> </a:t>
-            </a:r>
-            <a:r>
-              <a:rPr lang="en-US" dirty="0" err="1" smtClean="0"/>
-              <a:t>projekat</a:t>
-            </a:r>
-            <a:r>
-              <a:rPr lang="en-US" dirty="0" smtClean="0"/>
-              <a:t> </a:t>
-            </a:r>
-            <a:r>
-              <a:rPr lang="en-US" dirty="0" err="1" smtClean="0"/>
-              <a:t>predstavi</a:t>
-            </a:r>
-            <a:r>
-              <a:rPr lang="en-US" dirty="0" smtClean="0"/>
-              <a:t> </a:t>
-            </a:r>
-            <a:r>
-              <a:rPr lang="en-US" dirty="0" err="1" smtClean="0"/>
-              <a:t>i</a:t>
-            </a:r>
-            <a:r>
-              <a:rPr lang="en-US" dirty="0" smtClean="0"/>
-              <a:t> </a:t>
-            </a:r>
-            <a:r>
-              <a:rPr lang="en-US" dirty="0" err="1" smtClean="0"/>
-              <a:t>ostalim</a:t>
-            </a:r>
-            <a:r>
-              <a:rPr lang="en-US" dirty="0" smtClean="0"/>
-              <a:t> </a:t>
-            </a:r>
-            <a:r>
-              <a:rPr lang="en-US" dirty="0" err="1" smtClean="0"/>
-              <a:t>zemljama</a:t>
-            </a:r>
-            <a:r>
-              <a:rPr lang="sr-Latn-RS" dirty="0" smtClean="0"/>
-              <a:t> sveta</a:t>
-            </a:r>
-            <a:endParaRPr lang="en-US" dirty="0"/>
-          </a:p>
-        </p:txBody>
-      </p:sp>
-      <p:sp>
-        <p:nvSpPr>
-          <p:cNvPr id="4" name="Slide Number Placeholder 3"/>
-          <p:cNvSpPr>
-            <a:spLocks noGrp="1"/>
-          </p:cNvSpPr>
-          <p:nvPr>
-            <p:ph type="sldNum" sz="quarter" idx="12"/>
-          </p:nvPr>
-        </p:nvSpPr>
-        <p:spPr/>
-        <p:txBody>
-          <a:bodyPr/>
-          <a:lstStyle/>
-          <a:p>
             <a:fld id="{A255F231-0A6F-49D2-951F-550B2B95B5B4}" type="slidenum">
               <a:rPr lang="en-US" smtClean="0"/>
+              <a:pPr/>
               <a:t>6</a:t>
             </a:fld>
             <a:r>
               <a:rPr lang="en-US" dirty="0" smtClean="0"/>
-              <a:t>/8</a:t>
+              <a:t>/13</a:t>
             </a:r>
             <a:endParaRPr lang="en-US" dirty="0"/>
           </a:p>
         </p:txBody>
       </p:sp>
+      <p:pic>
+        <p:nvPicPr>
+          <p:cNvPr id="14" name="Content Placeholder 13" descr="workPlan1.png"/>
+          <p:cNvPicPr>
+            <a:picLocks noGrp="1" noChangeAspect="1"/>
+          </p:cNvPicPr>
+          <p:nvPr>
+            <p:ph idx="1"/>
+          </p:nvPr>
+        </p:nvPicPr>
+        <p:blipFill>
+          <a:blip r:embed="rId2"/>
+          <a:stretch>
+            <a:fillRect/>
+          </a:stretch>
+        </p:blipFill>
+        <p:spPr>
+          <a:xfrm>
+            <a:off x="0" y="1447800"/>
+            <a:ext cx="9144000" cy="5029200"/>
+          </a:xfrm>
+        </p:spPr>
+      </p:pic>
     </p:spTree>
   </p:cSld>
   <p:clrMapOvr>
@@ -4886,8 +5404,12 @@
           <a:lstStyle/>
           <a:p>
             <a:r>
+              <a:rPr lang="en-US" dirty="0" smtClean="0"/>
+              <a:t>Pert </a:t>
+            </a:r>
+            <a:r>
               <a:rPr lang="en-US" dirty="0" err="1" smtClean="0"/>
-              <a:t>Rezultat</a:t>
+              <a:t>Dijagram</a:t>
             </a:r>
             <a:endParaRPr lang="en-US" dirty="0"/>
           </a:p>
@@ -4895,66 +5417,6 @@
       </p:sp>
       <p:sp>
         <p:nvSpPr>
-          <p:cNvPr id="3" name="Content Placeholder 2"/>
-          <p:cNvSpPr>
-            <a:spLocks noGrp="1"/>
-          </p:cNvSpPr>
-          <p:nvPr>
-            <p:ph idx="1"/>
-          </p:nvPr>
-        </p:nvSpPr>
-        <p:spPr/>
-        <p:txBody>
-          <a:bodyPr/>
-          <a:lstStyle/>
-          <a:p>
-            <a:r>
-              <a:rPr lang="sr-Latn-RS" dirty="0" smtClean="0"/>
-              <a:t>Povećan </a:t>
-            </a:r>
-            <a:r>
-              <a:rPr lang="sr-Latn-RS" dirty="0" smtClean="0"/>
-              <a:t>broj programerski obučenih ljudi</a:t>
-            </a:r>
-            <a:endParaRPr lang="en-US" dirty="0" smtClean="0"/>
-          </a:p>
-          <a:p>
-            <a:pPr>
-              <a:buNone/>
-            </a:pPr>
-            <a:endParaRPr lang="en-US" dirty="0" smtClean="0"/>
-          </a:p>
-          <a:p>
-            <a:r>
-              <a:rPr lang="sr-Latn-RS" dirty="0" smtClean="0"/>
-              <a:t>Povećan broj zaposlenih u industrijskom sektoru</a:t>
-            </a:r>
-            <a:endParaRPr lang="en-US" dirty="0" smtClean="0"/>
-          </a:p>
-          <a:p>
-            <a:pPr>
-              <a:buNone/>
-            </a:pPr>
-            <a:endParaRPr lang="en-US" dirty="0" smtClean="0"/>
-          </a:p>
-          <a:p>
-            <a:r>
-              <a:rPr lang="en-US" dirty="0" err="1" smtClean="0"/>
-              <a:t>Povećan</a:t>
-            </a:r>
-            <a:r>
-              <a:rPr lang="sr-Latn-RS" dirty="0" smtClean="0"/>
-              <a:t>a društvena svest</a:t>
-            </a:r>
-            <a:endParaRPr lang="en-US" dirty="0" smtClean="0"/>
-          </a:p>
-          <a:p>
-            <a:endParaRPr lang="en-US" dirty="0"/>
-          </a:p>
-        </p:txBody>
-      </p:sp>
-      <p:sp>
-        <p:nvSpPr>
           <p:cNvPr id="4" name="Slide Number Placeholder 3"/>
           <p:cNvSpPr>
             <a:spLocks noGrp="1"/>
@@ -4963,23 +5425,52 @@
             <p:ph type="sldNum" sz="quarter" idx="12"/>
           </p:nvPr>
         </p:nvSpPr>
-        <p:spPr/>
+        <p:spPr>
+          <a:xfrm>
+            <a:off x="6193464" y="6556248"/>
+            <a:ext cx="588336" cy="228600"/>
+          </a:xfrm>
+        </p:spPr>
         <p:txBody>
           <a:bodyPr/>
           <a:lstStyle/>
           <a:p>
             <a:fld id="{A255F231-0A6F-49D2-951F-550B2B95B5B4}" type="slidenum">
               <a:rPr lang="en-US" smtClean="0"/>
+              <a:pPr/>
               <a:t>7</a:t>
             </a:fld>
             <a:r>
               <a:rPr lang="en-US" dirty="0" smtClean="0"/>
-              <a:t>/8</a:t>
+              <a:t>/13</a:t>
             </a:r>
             <a:endParaRPr lang="en-US" dirty="0"/>
           </a:p>
         </p:txBody>
       </p:sp>
+      <p:pic>
+        <p:nvPicPr>
+          <p:cNvPr id="7" name="Content Placeholder 6" descr="pertDiagram.png"/>
+          <p:cNvPicPr>
+            <a:picLocks noGrp="1" noChangeAspect="1"/>
+          </p:cNvPicPr>
+          <p:nvPr>
+            <p:ph idx="1"/>
+          </p:nvPr>
+        </p:nvPicPr>
+        <p:blipFill>
+          <a:blip r:embed="rId2"/>
+          <a:stretch>
+            <a:fillRect/>
+          </a:stretch>
+        </p:blipFill>
+        <p:spPr>
+          <a:xfrm>
+            <a:off x="0" y="1524000"/>
+            <a:ext cx="9144000" cy="4343400"/>
+          </a:xfrm>
+        </p:spPr>
+      </p:pic>
     </p:spTree>
   </p:cSld>
   <p:clrMapOvr>
@@ -5015,49 +5506,145 @@
             <p:ph type="title"/>
           </p:nvPr>
         </p:nvSpPr>
+        <p:spPr/>
+        <p:txBody>
+          <a:bodyPr>
+            <a:normAutofit fontScale="90000"/>
+          </a:bodyPr>
+          <a:lstStyle/>
+          <a:p>
+            <a:r>
+              <a:rPr lang="en-US" dirty="0" smtClean="0"/>
+              <a:t>List of deliverables wp0-wp2</a:t>
+            </a:r>
+            <a:endParaRPr lang="en-US" dirty="0"/>
+          </a:p>
+        </p:txBody>
+      </p:sp>
+      <p:pic>
+        <p:nvPicPr>
+          <p:cNvPr id="5" name="Content Placeholder 4" descr="deliv1.png"/>
+          <p:cNvPicPr>
+            <a:picLocks noGrp="1" noChangeAspect="1"/>
+          </p:cNvPicPr>
+          <p:nvPr>
+            <p:ph idx="1"/>
+          </p:nvPr>
+        </p:nvPicPr>
+        <p:blipFill>
+          <a:blip r:embed="rId2"/>
+          <a:stretch>
+            <a:fillRect/>
+          </a:stretch>
+        </p:blipFill>
         <p:spPr>
           <a:xfrm>
-            <a:off x="381000" y="2438400"/>
-            <a:ext cx="7239000" cy="1143000"/>
+            <a:off x="0" y="1524000"/>
+            <a:ext cx="9144000" cy="4800600"/>
           </a:xfrm>
         </p:spPr>
-        <p:txBody>
-          <a:bodyPr/>
-          <a:lstStyle/>
-          <a:p>
-            <a:pPr algn="ctr"/>
-            <a:r>
-              <a:rPr lang="sr-Latn-RS" dirty="0" smtClean="0"/>
-              <a:t>HVALA NA PAŽNJI</a:t>
+      </p:pic>
+      <p:sp>
+        <p:nvSpPr>
+          <p:cNvPr id="4" name="Slide Number Placeholder 3"/>
+          <p:cNvSpPr>
+            <a:spLocks noGrp="1"/>
+          </p:cNvSpPr>
+          <p:nvPr>
+            <p:ph type="sldNum" sz="quarter" idx="12"/>
+          </p:nvPr>
+        </p:nvSpPr>
+        <p:spPr/>
+        <p:txBody>
+          <a:bodyPr/>
+          <a:lstStyle/>
+          <a:p>
+            <a:fld id="{A255F231-0A6F-49D2-951F-550B2B95B5B4}" type="slidenum">
+              <a:rPr lang="en-US" smtClean="0"/>
+              <a:pPr/>
+              <a:t>8</a:t>
+            </a:fld>
+            <a:r>
+              <a:rPr lang="en-US" dirty="0" smtClean="0"/>
+              <a:t>/13</a:t>
             </a:r>
             <a:endParaRPr lang="en-US" dirty="0"/>
           </a:p>
         </p:txBody>
       </p:sp>
-      <p:sp>
-        <p:nvSpPr>
-          <p:cNvPr id="3" name="Content Placeholder 2"/>
-          <p:cNvSpPr>
-            <a:spLocks noGrp="1"/>
-          </p:cNvSpPr>
+    </p:spTree>
+  </p:cSld>
+  <p:clrMapOvr>
+    <a:masterClrMapping/>
+  </p:clrMapOvr>
+</p:sld>
+</file>
+
+<file path=ppt/slides/slide9.xml><?xml version="1.0" encoding="utf-8"?>
+<p:sld xmlns:a="http://schemas.openxmlformats.org/drawingml/2006/main" xmlns:r="http://schemas.openxmlformats.org/officeDocument/2006/relationships" xmlns:p="http://schemas.openxmlformats.org/presentationml/2006/main">
+  <p:cSld>
+    <p:spTree>
+      <p:nvGrpSpPr>
+        <p:cNvPr id="1" name=""/>
+        <p:cNvGrpSpPr/>
+        <p:nvPr/>
+      </p:nvGrpSpPr>
+      <p:grpSpPr>
+        <a:xfrm>
+          <a:off x="0" y="0"/>
+          <a:ext cx="0" cy="0"/>
+          <a:chOff x="0" y="0"/>
+          <a:chExt cx="0" cy="0"/>
+        </a:xfrm>
+      </p:grpSpPr>
+      <p:sp>
+        <p:nvSpPr>
+          <p:cNvPr id="2" name="Title 1"/>
+          <p:cNvSpPr>
+            <a:spLocks noGrp="1"/>
+          </p:cNvSpPr>
+          <p:nvPr>
+            <p:ph type="title"/>
+          </p:nvPr>
+        </p:nvSpPr>
+        <p:spPr/>
+        <p:txBody>
+          <a:bodyPr>
+            <a:normAutofit fontScale="90000"/>
+          </a:bodyPr>
+          <a:lstStyle/>
+          <a:p>
+            <a:r>
+              <a:rPr lang="en-US" dirty="0" smtClean="0"/>
+              <a:t>List of deliverables wp3-wp5</a:t>
+            </a:r>
+            <a:endParaRPr lang="en-US" dirty="0"/>
+          </a:p>
+        </p:txBody>
+      </p:sp>
+      <p:pic>
+        <p:nvPicPr>
+          <p:cNvPr id="5" name="Content Placeholder 4" descr="deliv2.png"/>
+          <p:cNvPicPr>
+            <a:picLocks noGrp="1" noChangeAspect="1"/>
+          </p:cNvPicPr>
           <p:nvPr>
             <p:ph idx="1"/>
           </p:nvPr>
-        </p:nvSpPr>
+        </p:nvPicPr>
+        <p:blipFill>
+          <a:blip r:embed="rId2"/>
+          <a:stretch>
+            <a:fillRect/>
+          </a:stretch>
+        </p:blipFill>
         <p:spPr>
           <a:xfrm>
-            <a:off x="457200" y="4191000"/>
-            <a:ext cx="7239000" cy="2264736"/>
+            <a:off x="0" y="1447800"/>
+            <a:ext cx="9144000" cy="4724400"/>
           </a:xfrm>
         </p:spPr>
-        <p:txBody>
-          <a:bodyPr/>
-          <a:lstStyle/>
-          <a:p>
-            <a:endParaRPr lang="en-US" dirty="0"/>
-          </a:p>
-        </p:txBody>
-      </p:sp>
+      </p:pic>
       <p:sp>
         <p:nvSpPr>
           <p:cNvPr id="4" name="Slide Number Placeholder 3"/>
@@ -5075,11 +5662,12 @@
           <a:p>
             <a:fld id="{A255F231-0A6F-49D2-951F-550B2B95B5B4}" type="slidenum">
               <a:rPr lang="en-US" smtClean="0"/>
-              <a:t>8</a:t>
+              <a:pPr/>
+              <a:t>9</a:t>
             </a:fld>
             <a:r>
               <a:rPr lang="en-US" dirty="0" smtClean="0"/>
-              <a:t>/8</a:t>
+              <a:t>/13</a:t>
             </a:r>
             <a:endParaRPr lang="en-US" dirty="0"/>
           </a:p>
@@ -5435,7 +6023,7 @@
     </a:clrScheme>
     <a:fontScheme name="Office">
       <a:majorFont>
-        <a:latin typeface="Calibri Light" panose="020F0302020204030204"/>
+        <a:latin typeface="Calibri Light"/>
         <a:ea typeface=""/>
         <a:cs typeface=""/>
         <a:font script="Jpan" typeface="游ゴシック Light"/>
@@ -5470,7 +6058,7 @@
         <a:font script="Geor" typeface="Sylfaen"/>
       </a:majorFont>
       <a:minorFont>
-        <a:latin typeface="Calibri" panose="020F0502020204030204"/>
+        <a:latin typeface="Calibri"/>
         <a:ea typeface=""/>
         <a:cs typeface=""/>
         <a:font script="Jpan" typeface="游ゴシック"/>
@@ -5647,7 +6235,7 @@
   <a:extraClrSchemeLst/>
   <a:extLst>
     <a:ext uri="{05A4C25C-085E-4340-85A3-A5531E510DB2}">
-      <thm15:themeFamily xmlns:thm15="http://schemas.microsoft.com/office/thememl/2012/main" name="Office Theme" id="{62F939B6-93AF-4DB8-9C6B-D6C7DFDC589F}" vid="{4A3C46E8-61CC-4603-A589-7422A47A8E4A}"/>
+      <thm15:themeFamily xmlns:thm15="http://schemas.microsoft.com/office/thememl/2012/main" xmlns="" name="Office Theme" id="{62F939B6-93AF-4DB8-9C6B-D6C7DFDC589F}" vid="{4A3C46E8-61CC-4603-A589-7422A47A8E4A}"/>
     </a:ext>
   </a:extLst>
 </a:theme>
